--- a/presentation.pptx
+++ b/presentation.pptx
@@ -68,19 +68,14 @@
         <p:txBody>
           <a:bodyPr lIns="0" rIns="0" tIns="0" bIns="0" anchor="ctr"/>
           <a:p>
+            <a:pPr algn="ctr"/>
             <a:r>
-              <a:rPr b="0" lang="ru-RU" sz="1800" spc="-1" strike="noStrike">
-                <a:solidFill>
-                  <a:srgbClr val="000000"/>
-                </a:solidFill>
+              <a:rPr b="0" lang="en-US" sz="4400" spc="-1" strike="noStrike">
                 <a:latin typeface="Arial"/>
               </a:rPr>
               <a:t>Click to move the slide</a:t>
             </a:r>
-            <a:endParaRPr b="0" lang="ru-RU" sz="1800" spc="-1" strike="noStrike">
-              <a:solidFill>
-                <a:srgbClr val="000000"/>
-              </a:solidFill>
+            <a:endParaRPr b="0" lang="en-US" sz="4400" spc="-1" strike="noStrike">
               <a:latin typeface="Arial"/>
             </a:endParaRPr>
           </a:p>
@@ -146,7 +141,7 @@
               <a:rPr b="0" lang="en-US" sz="1400" spc="-1" strike="noStrike">
                 <a:latin typeface="Times New Roman"/>
               </a:rPr>
-              <a:t> </a:t>
+              <a:t>&lt;header&gt;</a:t>
             </a:r>
             <a:endParaRPr b="0" lang="en-US" sz="1400" spc="-1" strike="noStrike">
               <a:latin typeface="Times New Roman"/>
@@ -181,7 +176,7 @@
               <a:rPr b="0" lang="en-US" sz="1400" spc="-1" strike="noStrike">
                 <a:latin typeface="Times New Roman"/>
               </a:rPr>
-              <a:t> </a:t>
+              <a:t>&lt;date/time&gt;</a:t>
             </a:r>
             <a:endParaRPr b="0" lang="en-US" sz="1400" spc="-1" strike="noStrike">
               <a:latin typeface="Times New Roman"/>
@@ -215,7 +210,7 @@
               <a:rPr b="0" lang="en-US" sz="1400" spc="-1" strike="noStrike">
                 <a:latin typeface="Times New Roman"/>
               </a:rPr>
-              <a:t> </a:t>
+              <a:t>&lt;footer&gt;</a:t>
             </a:r>
             <a:endParaRPr b="0" lang="en-US" sz="1400" spc="-1" strike="noStrike">
               <a:latin typeface="Times New Roman"/>
@@ -246,11 +241,11 @@
           <a:bodyPr lIns="0" rIns="0" tIns="0" bIns="0" anchor="b"/>
           <a:p>
             <a:pPr algn="r"/>
-            <a:fld id="{01BE448B-B2A6-40D6-828C-419BAC85407E}" type="slidenum">
+            <a:fld id="{9575099E-C9F6-4CFF-BF09-72D711048BF7}" type="slidenum">
               <a:rPr b="0" lang="en-US" sz="1400" spc="-1" strike="noStrike">
                 <a:latin typeface="Times New Roman"/>
               </a:rPr>
-              <a:t>1</a:t>
+              <a:t>&lt;number&gt;</a:t>
             </a:fld>
             <a:endParaRPr b="0" lang="en-US" sz="1400" spc="-1" strike="noStrike">
               <a:latin typeface="Times New Roman"/>
@@ -290,7 +285,7 @@
         <p:spPr>
           <a:xfrm>
             <a:off x="3847680" y="9430560"/>
-            <a:ext cx="2949480" cy="495360"/>
+            <a:ext cx="2948760" cy="494640"/>
           </a:xfrm>
           <a:prstGeom prst="rect">
             <a:avLst/>
@@ -314,7 +309,7 @@
                 <a:spcPct val="100000"/>
               </a:lnSpc>
             </a:pPr>
-            <a:fld id="{553A7644-947D-4799-9A7F-3BBD2E560B61}" type="slidenum">
+            <a:fld id="{6F3293CD-5C2F-4359-85BF-55ECB1D3ADC4}" type="slidenum">
               <a:rPr b="0" lang="en-US" sz="1600" spc="-1" strike="noStrike">
                 <a:solidFill>
                   <a:srgbClr val="000000"/>
@@ -339,7 +334,7 @@
         <p:spPr>
           <a:xfrm>
             <a:off x="3847680" y="9430560"/>
-            <a:ext cx="2949480" cy="495360"/>
+            <a:ext cx="2948760" cy="494640"/>
           </a:xfrm>
           <a:prstGeom prst="rect">
             <a:avLst/>
@@ -363,7 +358,7 @@
                 <a:spcPct val="100000"/>
               </a:lnSpc>
             </a:pPr>
-            <a:fld id="{64E7A215-6B4C-4B58-8885-917B77BBC130}" type="slidenum">
+            <a:fld id="{F285E133-3387-4B4D-8D16-CE3B3E149E23}" type="slidenum">
               <a:rPr b="0" lang="en-US" sz="1600" spc="-1" strike="noStrike">
                 <a:solidFill>
                   <a:srgbClr val="000000"/>
@@ -392,7 +387,7 @@
         <p:spPr>
           <a:xfrm>
             <a:off x="90360" y="754200"/>
-            <a:ext cx="6616440" cy="3722400"/>
+            <a:ext cx="6615720" cy="3721680"/>
           </a:xfrm>
           <a:prstGeom prst="rect">
             <a:avLst/>
@@ -412,7 +407,7 @@
         <p:spPr>
           <a:xfrm>
             <a:off x="679680" y="4714920"/>
-            <a:ext cx="5437440" cy="4466160"/>
+            <a:ext cx="5436720" cy="4465440"/>
           </a:xfrm>
           <a:prstGeom prst="rect">
             <a:avLst/>
@@ -458,7 +453,7 @@
         <p:spPr>
           <a:xfrm>
             <a:off x="3847680" y="9430560"/>
-            <a:ext cx="2949480" cy="495360"/>
+            <a:ext cx="2948760" cy="494640"/>
           </a:xfrm>
           <a:prstGeom prst="rect">
             <a:avLst/>
@@ -482,7 +477,7 @@
                 <a:spcPct val="100000"/>
               </a:lnSpc>
             </a:pPr>
-            <a:fld id="{65C1625B-81CE-4F23-BD7A-1B48B92E78BD}" type="slidenum">
+            <a:fld id="{3F010662-3CF9-409F-BB85-8BBE8B833E50}" type="slidenum">
               <a:rPr b="0" lang="en-US" sz="1600" spc="-1" strike="noStrike">
                 <a:solidFill>
                   <a:srgbClr val="000000"/>
@@ -507,7 +502,7 @@
         <p:spPr>
           <a:xfrm>
             <a:off x="3847680" y="9430560"/>
-            <a:ext cx="2949480" cy="495360"/>
+            <a:ext cx="2948760" cy="494640"/>
           </a:xfrm>
           <a:prstGeom prst="rect">
             <a:avLst/>
@@ -531,7 +526,7 @@
                 <a:spcPct val="100000"/>
               </a:lnSpc>
             </a:pPr>
-            <a:fld id="{24FDCA7B-A9EE-4056-B0DE-458C096875AA}" type="slidenum">
+            <a:fld id="{659B6DF2-2C1D-4035-8BF7-A38747658C7E}" type="slidenum">
               <a:rPr b="0" lang="en-US" sz="1600" spc="-1" strike="noStrike">
                 <a:solidFill>
                   <a:srgbClr val="000000"/>
@@ -560,7 +555,7 @@
         <p:spPr>
           <a:xfrm>
             <a:off x="90360" y="754200"/>
-            <a:ext cx="6616440" cy="3722400"/>
+            <a:ext cx="6615720" cy="3721680"/>
           </a:xfrm>
           <a:prstGeom prst="rect">
             <a:avLst/>
@@ -580,7 +575,7 @@
         <p:spPr>
           <a:xfrm>
             <a:off x="679680" y="4714920"/>
-            <a:ext cx="5437440" cy="4466160"/>
+            <a:ext cx="5436720" cy="4465440"/>
           </a:xfrm>
           <a:prstGeom prst="rect">
             <a:avLst/>
@@ -626,7 +621,7 @@
         <p:spPr>
           <a:xfrm>
             <a:off x="3847680" y="9430560"/>
-            <a:ext cx="2949480" cy="495360"/>
+            <a:ext cx="2948760" cy="494640"/>
           </a:xfrm>
           <a:prstGeom prst="rect">
             <a:avLst/>
@@ -650,7 +645,7 @@
                 <a:spcPct val="100000"/>
               </a:lnSpc>
             </a:pPr>
-            <a:fld id="{0C894EAD-858F-43D2-9CF7-6BC1BAB46E1A}" type="slidenum">
+            <a:fld id="{D57E20EE-0A5C-4E81-85D7-09A436A3C4B6}" type="slidenum">
               <a:rPr b="0" lang="en-US" sz="1600" spc="-1" strike="noStrike">
                 <a:solidFill>
                   <a:srgbClr val="000000"/>
@@ -675,7 +670,7 @@
         <p:spPr>
           <a:xfrm>
             <a:off x="3847680" y="9430560"/>
-            <a:ext cx="2949480" cy="495360"/>
+            <a:ext cx="2948760" cy="494640"/>
           </a:xfrm>
           <a:prstGeom prst="rect">
             <a:avLst/>
@@ -699,7 +694,7 @@
                 <a:spcPct val="100000"/>
               </a:lnSpc>
             </a:pPr>
-            <a:fld id="{95CD7B83-F6F1-4C9D-AD85-E59A165EBC93}" type="slidenum">
+            <a:fld id="{1015B8F9-77E0-4601-AC2D-CF72CCE5E1B3}" type="slidenum">
               <a:rPr b="0" lang="en-US" sz="1600" spc="-1" strike="noStrike">
                 <a:solidFill>
                   <a:srgbClr val="000000"/>
@@ -728,7 +723,7 @@
         <p:spPr>
           <a:xfrm>
             <a:off x="90360" y="754200"/>
-            <a:ext cx="6616440" cy="3722400"/>
+            <a:ext cx="6615720" cy="3721680"/>
           </a:xfrm>
           <a:prstGeom prst="rect">
             <a:avLst/>
@@ -748,7 +743,7 @@
         <p:spPr>
           <a:xfrm>
             <a:off x="679680" y="4714920"/>
-            <a:ext cx="5437440" cy="4466160"/>
+            <a:ext cx="5436720" cy="4465440"/>
           </a:xfrm>
           <a:prstGeom prst="rect">
             <a:avLst/>
@@ -794,7 +789,7 @@
         <p:spPr>
           <a:xfrm>
             <a:off x="3847680" y="9430560"/>
-            <a:ext cx="2949480" cy="495360"/>
+            <a:ext cx="2948760" cy="494640"/>
           </a:xfrm>
           <a:prstGeom prst="rect">
             <a:avLst/>
@@ -818,7 +813,7 @@
                 <a:spcPct val="100000"/>
               </a:lnSpc>
             </a:pPr>
-            <a:fld id="{D7B9F4CD-DB11-4ED9-B264-21B16F3D1205}" type="slidenum">
+            <a:fld id="{9874EB58-A4A3-4832-BD14-E9DFC2BBABC3}" type="slidenum">
               <a:rPr b="0" lang="en-US" sz="1600" spc="-1" strike="noStrike">
                 <a:solidFill>
                   <a:srgbClr val="000000"/>
@@ -843,7 +838,7 @@
         <p:spPr>
           <a:xfrm>
             <a:off x="3847680" y="9430560"/>
-            <a:ext cx="2949480" cy="495360"/>
+            <a:ext cx="2948760" cy="494640"/>
           </a:xfrm>
           <a:prstGeom prst="rect">
             <a:avLst/>
@@ -867,7 +862,7 @@
                 <a:spcPct val="100000"/>
               </a:lnSpc>
             </a:pPr>
-            <a:fld id="{24AFBAD7-B3AD-4754-B045-550C402638CC}" type="slidenum">
+            <a:fld id="{637C8B58-5D7D-4900-8825-DEA70612FE54}" type="slidenum">
               <a:rPr b="0" lang="en-US" sz="1600" spc="-1" strike="noStrike">
                 <a:solidFill>
                   <a:srgbClr val="000000"/>
@@ -896,7 +891,7 @@
         <p:spPr>
           <a:xfrm>
             <a:off x="90360" y="754200"/>
-            <a:ext cx="6616440" cy="3722400"/>
+            <a:ext cx="6615720" cy="3721680"/>
           </a:xfrm>
           <a:prstGeom prst="rect">
             <a:avLst/>
@@ -916,7 +911,7 @@
         <p:spPr>
           <a:xfrm>
             <a:off x="679680" y="4714920"/>
-            <a:ext cx="5437440" cy="4466160"/>
+            <a:ext cx="5436720" cy="4465440"/>
           </a:xfrm>
           <a:prstGeom prst="rect">
             <a:avLst/>
@@ -962,7 +957,7 @@
         <p:spPr>
           <a:xfrm>
             <a:off x="3847680" y="9430560"/>
-            <a:ext cx="2949480" cy="495360"/>
+            <a:ext cx="2948760" cy="494640"/>
           </a:xfrm>
           <a:prstGeom prst="rect">
             <a:avLst/>
@@ -986,7 +981,7 @@
                 <a:spcPct val="100000"/>
               </a:lnSpc>
             </a:pPr>
-            <a:fld id="{0DFBBC65-B404-4370-949D-EEE62E9309FB}" type="slidenum">
+            <a:fld id="{A26DD260-CC8C-493D-A749-7F9A2E004C0A}" type="slidenum">
               <a:rPr b="0" lang="en-US" sz="1600" spc="-1" strike="noStrike">
                 <a:solidFill>
                   <a:srgbClr val="000000"/>
@@ -1011,7 +1006,7 @@
         <p:spPr>
           <a:xfrm>
             <a:off x="3847680" y="9430560"/>
-            <a:ext cx="2949480" cy="495360"/>
+            <a:ext cx="2948760" cy="494640"/>
           </a:xfrm>
           <a:prstGeom prst="rect">
             <a:avLst/>
@@ -1035,7 +1030,7 @@
                 <a:spcPct val="100000"/>
               </a:lnSpc>
             </a:pPr>
-            <a:fld id="{FBDAAC13-01EF-444F-A58E-B36E3681304D}" type="slidenum">
+            <a:fld id="{B9B8917D-EAA3-4163-8F0F-100B427B0A25}" type="slidenum">
               <a:rPr b="0" lang="en-US" sz="1600" spc="-1" strike="noStrike">
                 <a:solidFill>
                   <a:srgbClr val="000000"/>
@@ -1064,7 +1059,7 @@
         <p:spPr>
           <a:xfrm>
             <a:off x="90360" y="754200"/>
-            <a:ext cx="6616440" cy="3722400"/>
+            <a:ext cx="6615720" cy="3721680"/>
           </a:xfrm>
           <a:prstGeom prst="rect">
             <a:avLst/>
@@ -1084,7 +1079,7 @@
         <p:spPr>
           <a:xfrm>
             <a:off x="679680" y="4714920"/>
-            <a:ext cx="5437440" cy="4466160"/>
+            <a:ext cx="5436720" cy="4465440"/>
           </a:xfrm>
           <a:prstGeom prst="rect">
             <a:avLst/>
@@ -1130,7 +1125,7 @@
         <p:spPr>
           <a:xfrm>
             <a:off x="3847680" y="9430560"/>
-            <a:ext cx="2949480" cy="495360"/>
+            <a:ext cx="2948760" cy="494640"/>
           </a:xfrm>
           <a:prstGeom prst="rect">
             <a:avLst/>
@@ -1154,7 +1149,7 @@
                 <a:spcPct val="100000"/>
               </a:lnSpc>
             </a:pPr>
-            <a:fld id="{0B4CD98E-45DC-48D4-9FF1-3E958FC87D83}" type="slidenum">
+            <a:fld id="{1993EADF-5682-4341-ABD4-1168FF463594}" type="slidenum">
               <a:rPr b="0" lang="en-US" sz="1600" spc="-1" strike="noStrike">
                 <a:solidFill>
                   <a:srgbClr val="000000"/>
@@ -1179,7 +1174,7 @@
         <p:spPr>
           <a:xfrm>
             <a:off x="3847680" y="9430560"/>
-            <a:ext cx="2949480" cy="495360"/>
+            <a:ext cx="2948760" cy="494640"/>
           </a:xfrm>
           <a:prstGeom prst="rect">
             <a:avLst/>
@@ -1203,7 +1198,7 @@
                 <a:spcPct val="100000"/>
               </a:lnSpc>
             </a:pPr>
-            <a:fld id="{0D9C17E9-65CE-4DCC-9163-C312F93E80E8}" type="slidenum">
+            <a:fld id="{700904C6-8148-4F08-8D87-4F5038479A1D}" type="slidenum">
               <a:rPr b="0" lang="en-US" sz="1600" spc="-1" strike="noStrike">
                 <a:solidFill>
                   <a:srgbClr val="000000"/>
@@ -1232,7 +1227,7 @@
         <p:spPr>
           <a:xfrm>
             <a:off x="90360" y="754200"/>
-            <a:ext cx="6616440" cy="3722400"/>
+            <a:ext cx="6615720" cy="3721680"/>
           </a:xfrm>
           <a:prstGeom prst="rect">
             <a:avLst/>
@@ -1252,7 +1247,7 @@
         <p:spPr>
           <a:xfrm>
             <a:off x="679680" y="4714920"/>
-            <a:ext cx="5437440" cy="4466160"/>
+            <a:ext cx="5436720" cy="4465440"/>
           </a:xfrm>
           <a:prstGeom prst="rect">
             <a:avLst/>
@@ -1298,7 +1293,7 @@
         <p:spPr>
           <a:xfrm>
             <a:off x="3847680" y="9430560"/>
-            <a:ext cx="2949480" cy="495360"/>
+            <a:ext cx="2948760" cy="494640"/>
           </a:xfrm>
           <a:prstGeom prst="rect">
             <a:avLst/>
@@ -1322,7 +1317,7 @@
                 <a:spcPct val="100000"/>
               </a:lnSpc>
             </a:pPr>
-            <a:fld id="{D7F5D079-EB9E-400A-8E95-966B9EA01B93}" type="slidenum">
+            <a:fld id="{E1104A6C-00F3-43C7-9969-7045005DF511}" type="slidenum">
               <a:rPr b="0" lang="en-US" sz="1600" spc="-1" strike="noStrike">
                 <a:solidFill>
                   <a:srgbClr val="000000"/>
@@ -1347,7 +1342,7 @@
         <p:spPr>
           <a:xfrm>
             <a:off x="3847680" y="9430560"/>
-            <a:ext cx="2949480" cy="495360"/>
+            <a:ext cx="2948760" cy="494640"/>
           </a:xfrm>
           <a:prstGeom prst="rect">
             <a:avLst/>
@@ -1371,7 +1366,7 @@
                 <a:spcPct val="100000"/>
               </a:lnSpc>
             </a:pPr>
-            <a:fld id="{0C9EE762-7877-46BE-BB7C-0A317F3A1E20}" type="slidenum">
+            <a:fld id="{DE73ADDC-1DD4-4CE5-ABB4-0BD9AB78B5E2}" type="slidenum">
               <a:rPr b="0" lang="en-US" sz="1600" spc="-1" strike="noStrike">
                 <a:solidFill>
                   <a:srgbClr val="000000"/>
@@ -1400,7 +1395,7 @@
         <p:spPr>
           <a:xfrm>
             <a:off x="90360" y="754200"/>
-            <a:ext cx="6616440" cy="3722400"/>
+            <a:ext cx="6615720" cy="3721680"/>
           </a:xfrm>
           <a:prstGeom prst="rect">
             <a:avLst/>
@@ -1420,7 +1415,7 @@
         <p:spPr>
           <a:xfrm>
             <a:off x="679680" y="4714920"/>
-            <a:ext cx="5437440" cy="4466160"/>
+            <a:ext cx="5436720" cy="4465440"/>
           </a:xfrm>
           <a:prstGeom prst="rect">
             <a:avLst/>
@@ -1466,7 +1461,7 @@
         <p:spPr>
           <a:xfrm>
             <a:off x="3847680" y="9430560"/>
-            <a:ext cx="2949480" cy="495360"/>
+            <a:ext cx="2948760" cy="494640"/>
           </a:xfrm>
           <a:prstGeom prst="rect">
             <a:avLst/>
@@ -1490,7 +1485,7 @@
                 <a:spcPct val="100000"/>
               </a:lnSpc>
             </a:pPr>
-            <a:fld id="{7185EDD9-873A-4D95-986C-C5A4BB60FBAF}" type="slidenum">
+            <a:fld id="{019A3F32-F2EA-44BE-A96E-9C1032A34DF0}" type="slidenum">
               <a:rPr b="0" lang="en-US" sz="1600" spc="-1" strike="noStrike">
                 <a:solidFill>
                   <a:srgbClr val="000000"/>
@@ -1515,7 +1510,7 @@
         <p:spPr>
           <a:xfrm>
             <a:off x="3847680" y="9430560"/>
-            <a:ext cx="2949480" cy="495360"/>
+            <a:ext cx="2948760" cy="494640"/>
           </a:xfrm>
           <a:prstGeom prst="rect">
             <a:avLst/>
@@ -1539,7 +1534,7 @@
                 <a:spcPct val="100000"/>
               </a:lnSpc>
             </a:pPr>
-            <a:fld id="{4380E26F-A9DA-4FA2-AE9F-41538468A181}" type="slidenum">
+            <a:fld id="{9416BCE4-D601-486A-9534-52EDA75FE2FA}" type="slidenum">
               <a:rPr b="0" lang="en-US" sz="1600" spc="-1" strike="noStrike">
                 <a:solidFill>
                   <a:srgbClr val="000000"/>
@@ -1568,7 +1563,7 @@
         <p:spPr>
           <a:xfrm>
             <a:off x="90360" y="754200"/>
-            <a:ext cx="6616440" cy="3722400"/>
+            <a:ext cx="6615720" cy="3721680"/>
           </a:xfrm>
           <a:prstGeom prst="rect">
             <a:avLst/>
@@ -1588,7 +1583,7 @@
         <p:spPr>
           <a:xfrm>
             <a:off x="679680" y="4714920"/>
-            <a:ext cx="5437440" cy="4466160"/>
+            <a:ext cx="5436720" cy="4465440"/>
           </a:xfrm>
           <a:prstGeom prst="rect">
             <a:avLst/>
@@ -1634,7 +1629,7 @@
         <p:spPr>
           <a:xfrm>
             <a:off x="3847680" y="9430560"/>
-            <a:ext cx="2949480" cy="495360"/>
+            <a:ext cx="2948760" cy="494640"/>
           </a:xfrm>
           <a:prstGeom prst="rect">
             <a:avLst/>
@@ -1658,7 +1653,7 @@
                 <a:spcPct val="100000"/>
               </a:lnSpc>
             </a:pPr>
-            <a:fld id="{3BBFD272-3FD9-475A-9F94-934F5A6FE960}" type="slidenum">
+            <a:fld id="{9AC051FA-6EE7-42E4-BB39-9D86B2412CFC}" type="slidenum">
               <a:rPr b="0" lang="en-US" sz="1600" spc="-1" strike="noStrike">
                 <a:solidFill>
                   <a:srgbClr val="000000"/>
@@ -1683,7 +1678,7 @@
         <p:spPr>
           <a:xfrm>
             <a:off x="3847680" y="9430560"/>
-            <a:ext cx="2949480" cy="495360"/>
+            <a:ext cx="2948760" cy="494640"/>
           </a:xfrm>
           <a:prstGeom prst="rect">
             <a:avLst/>
@@ -1707,7 +1702,7 @@
                 <a:spcPct val="100000"/>
               </a:lnSpc>
             </a:pPr>
-            <a:fld id="{B451AAE2-24A1-4FC6-B118-509874BB1D1B}" type="slidenum">
+            <a:fld id="{7557B3BF-5CC5-487E-88D2-8AEAD1CF236E}" type="slidenum">
               <a:rPr b="0" lang="en-US" sz="1600" spc="-1" strike="noStrike">
                 <a:solidFill>
                   <a:srgbClr val="000000"/>
@@ -1736,7 +1731,7 @@
         <p:spPr>
           <a:xfrm>
             <a:off x="90360" y="754200"/>
-            <a:ext cx="6616440" cy="3722400"/>
+            <a:ext cx="6615720" cy="3721680"/>
           </a:xfrm>
           <a:prstGeom prst="rect">
             <a:avLst/>
@@ -1756,7 +1751,7 @@
         <p:spPr>
           <a:xfrm>
             <a:off x="679680" y="4714920"/>
-            <a:ext cx="5437440" cy="4466160"/>
+            <a:ext cx="5436720" cy="4465440"/>
           </a:xfrm>
           <a:prstGeom prst="rect">
             <a:avLst/>
@@ -1802,7 +1797,7 @@
         <p:spPr>
           <a:xfrm>
             <a:off x="3847680" y="9430560"/>
-            <a:ext cx="2949480" cy="495360"/>
+            <a:ext cx="2948760" cy="494640"/>
           </a:xfrm>
           <a:prstGeom prst="rect">
             <a:avLst/>
@@ -1826,7 +1821,7 @@
                 <a:spcPct val="100000"/>
               </a:lnSpc>
             </a:pPr>
-            <a:fld id="{170308FA-E96F-456F-8AEF-E853A5CB2F0D}" type="slidenum">
+            <a:fld id="{69306806-26CC-4CC2-9913-A06402D9AFDF}" type="slidenum">
               <a:rPr b="0" lang="en-US" sz="1600" spc="-1" strike="noStrike">
                 <a:solidFill>
                   <a:srgbClr val="000000"/>
@@ -1851,7 +1846,7 @@
         <p:spPr>
           <a:xfrm>
             <a:off x="3847680" y="9430560"/>
-            <a:ext cx="2949480" cy="495360"/>
+            <a:ext cx="2948760" cy="494640"/>
           </a:xfrm>
           <a:prstGeom prst="rect">
             <a:avLst/>
@@ -1875,7 +1870,7 @@
                 <a:spcPct val="100000"/>
               </a:lnSpc>
             </a:pPr>
-            <a:fld id="{B003F80E-70C7-4B28-A175-D900B7AC26B0}" type="slidenum">
+            <a:fld id="{0A95EE4B-54B9-46FE-8300-F28B4403E9B6}" type="slidenum">
               <a:rPr b="0" lang="en-US" sz="1600" spc="-1" strike="noStrike">
                 <a:solidFill>
                   <a:srgbClr val="000000"/>
@@ -1904,7 +1899,7 @@
         <p:spPr>
           <a:xfrm>
             <a:off x="90360" y="754200"/>
-            <a:ext cx="6616440" cy="3722400"/>
+            <a:ext cx="6615720" cy="3721680"/>
           </a:xfrm>
           <a:prstGeom prst="rect">
             <a:avLst/>
@@ -1924,7 +1919,7 @@
         <p:spPr>
           <a:xfrm>
             <a:off x="679680" y="4714920"/>
-            <a:ext cx="5437440" cy="4466160"/>
+            <a:ext cx="5436720" cy="4465440"/>
           </a:xfrm>
           <a:prstGeom prst="rect">
             <a:avLst/>
@@ -1970,7 +1965,7 @@
         <p:spPr>
           <a:xfrm>
             <a:off x="3847680" y="9430560"/>
-            <a:ext cx="2949480" cy="495360"/>
+            <a:ext cx="2948760" cy="494640"/>
           </a:xfrm>
           <a:prstGeom prst="rect">
             <a:avLst/>
@@ -1994,7 +1989,7 @@
                 <a:spcPct val="100000"/>
               </a:lnSpc>
             </a:pPr>
-            <a:fld id="{4D546F67-005F-47F6-90E3-8DA65AC59BCB}" type="slidenum">
+            <a:fld id="{8FB75597-9B6B-4D75-A996-10D840FE33FC}" type="slidenum">
               <a:rPr b="0" lang="en-US" sz="1600" spc="-1" strike="noStrike">
                 <a:solidFill>
                   <a:srgbClr val="000000"/>
@@ -2019,7 +2014,7 @@
         <p:spPr>
           <a:xfrm>
             <a:off x="3847680" y="9430560"/>
-            <a:ext cx="2949480" cy="495360"/>
+            <a:ext cx="2948760" cy="494640"/>
           </a:xfrm>
           <a:prstGeom prst="rect">
             <a:avLst/>
@@ -2043,7 +2038,7 @@
                 <a:spcPct val="100000"/>
               </a:lnSpc>
             </a:pPr>
-            <a:fld id="{0F55F065-F7E1-45CF-9A63-385008BB9FBF}" type="slidenum">
+            <a:fld id="{D824E996-D872-45F5-B4F1-1D62608E972F}" type="slidenum">
               <a:rPr b="0" lang="en-US" sz="1600" spc="-1" strike="noStrike">
                 <a:solidFill>
                   <a:srgbClr val="000000"/>
@@ -2072,7 +2067,7 @@
         <p:spPr>
           <a:xfrm>
             <a:off x="90360" y="754200"/>
-            <a:ext cx="6616440" cy="3722400"/>
+            <a:ext cx="6615720" cy="3721680"/>
           </a:xfrm>
           <a:prstGeom prst="rect">
             <a:avLst/>
@@ -2092,7 +2087,7 @@
         <p:spPr>
           <a:xfrm>
             <a:off x="679680" y="4714920"/>
-            <a:ext cx="5437440" cy="4466160"/>
+            <a:ext cx="5436720" cy="4465440"/>
           </a:xfrm>
           <a:prstGeom prst="rect">
             <a:avLst/>
@@ -2163,8 +2158,8 @@
         </p:nvSpPr>
         <p:spPr>
           <a:xfrm>
-            <a:off x="503640" y="225720"/>
-            <a:ext cx="9067680" cy="945360"/>
+            <a:off x="503640" y="226080"/>
+            <a:ext cx="9069120" cy="946080"/>
           </a:xfrm>
           <a:prstGeom prst="rect">
             <a:avLst/>
@@ -2173,10 +2168,8 @@
         <p:txBody>
           <a:bodyPr lIns="0" rIns="0" tIns="0" bIns="0" anchor="ctr"/>
           <a:p>
-            <a:endParaRPr b="0" lang="ru-RU" sz="1800" spc="-1" strike="noStrike">
-              <a:solidFill>
-                <a:srgbClr val="000000"/>
-              </a:solidFill>
+            <a:pPr algn="ctr"/>
+            <a:endParaRPr b="0" lang="en-US" sz="4400" spc="-1" strike="noStrike">
               <a:latin typeface="Arial"/>
             </a:endParaRPr>
           </a:p>
@@ -2206,10 +2199,7 @@
             <a:normAutofit/>
           </a:bodyPr>
           <a:p>
-            <a:endParaRPr b="0" lang="ru-RU" sz="2800" spc="-1" strike="noStrike">
-              <a:solidFill>
-                <a:srgbClr val="000000"/>
-              </a:solidFill>
+            <a:endParaRPr b="0" lang="en-US" sz="3200" spc="-1" strike="noStrike">
               <a:latin typeface="Arial"/>
             </a:endParaRPr>
           </a:p>
@@ -2239,10 +2229,7 @@
             <a:normAutofit/>
           </a:bodyPr>
           <a:p>
-            <a:endParaRPr b="0" lang="ru-RU" sz="2800" spc="-1" strike="noStrike">
-              <a:solidFill>
-                <a:srgbClr val="000000"/>
-              </a:solidFill>
+            <a:endParaRPr b="0" lang="en-US" sz="3200" spc="-1" strike="noStrike">
               <a:latin typeface="Arial"/>
             </a:endParaRPr>
           </a:p>
@@ -2282,8 +2269,8 @@
         </p:nvSpPr>
         <p:spPr>
           <a:xfrm>
-            <a:off x="503640" y="225720"/>
-            <a:ext cx="9067680" cy="945360"/>
+            <a:off x="503640" y="226080"/>
+            <a:ext cx="9069120" cy="946080"/>
           </a:xfrm>
           <a:prstGeom prst="rect">
             <a:avLst/>
@@ -2292,10 +2279,8 @@
         <p:txBody>
           <a:bodyPr lIns="0" rIns="0" tIns="0" bIns="0" anchor="ctr"/>
           <a:p>
-            <a:endParaRPr b="0" lang="ru-RU" sz="1800" spc="-1" strike="noStrike">
-              <a:solidFill>
-                <a:srgbClr val="000000"/>
-              </a:solidFill>
+            <a:pPr algn="ctr"/>
+            <a:endParaRPr b="0" lang="en-US" sz="4400" spc="-1" strike="noStrike">
               <a:latin typeface="Arial"/>
             </a:endParaRPr>
           </a:p>
@@ -2325,10 +2310,7 @@
             <a:normAutofit/>
           </a:bodyPr>
           <a:p>
-            <a:endParaRPr b="0" lang="ru-RU" sz="2800" spc="-1" strike="noStrike">
-              <a:solidFill>
-                <a:srgbClr val="000000"/>
-              </a:solidFill>
+            <a:endParaRPr b="0" lang="en-US" sz="3200" spc="-1" strike="noStrike">
               <a:latin typeface="Arial"/>
             </a:endParaRPr>
           </a:p>
@@ -2358,10 +2340,7 @@
             <a:normAutofit/>
           </a:bodyPr>
           <a:p>
-            <a:endParaRPr b="0" lang="ru-RU" sz="2800" spc="-1" strike="noStrike">
-              <a:solidFill>
-                <a:srgbClr val="000000"/>
-              </a:solidFill>
+            <a:endParaRPr b="0" lang="en-US" sz="3200" spc="-1" strike="noStrike">
               <a:latin typeface="Arial"/>
             </a:endParaRPr>
           </a:p>
@@ -2391,10 +2370,7 @@
             <a:normAutofit/>
           </a:bodyPr>
           <a:p>
-            <a:endParaRPr b="0" lang="ru-RU" sz="2800" spc="-1" strike="noStrike">
-              <a:solidFill>
-                <a:srgbClr val="000000"/>
-              </a:solidFill>
+            <a:endParaRPr b="0" lang="en-US" sz="3200" spc="-1" strike="noStrike">
               <a:latin typeface="Arial"/>
             </a:endParaRPr>
           </a:p>
@@ -2424,10 +2400,7 @@
             <a:normAutofit/>
           </a:bodyPr>
           <a:p>
-            <a:endParaRPr b="0" lang="ru-RU" sz="2800" spc="-1" strike="noStrike">
-              <a:solidFill>
-                <a:srgbClr val="000000"/>
-              </a:solidFill>
+            <a:endParaRPr b="0" lang="en-US" sz="3200" spc="-1" strike="noStrike">
               <a:latin typeface="Arial"/>
             </a:endParaRPr>
           </a:p>
@@ -2467,8 +2440,8 @@
         </p:nvSpPr>
         <p:spPr>
           <a:xfrm>
-            <a:off x="503640" y="225720"/>
-            <a:ext cx="9067680" cy="945360"/>
+            <a:off x="503640" y="226080"/>
+            <a:ext cx="9069120" cy="946080"/>
           </a:xfrm>
           <a:prstGeom prst="rect">
             <a:avLst/>
@@ -2477,10 +2450,8 @@
         <p:txBody>
           <a:bodyPr lIns="0" rIns="0" tIns="0" bIns="0" anchor="ctr"/>
           <a:p>
-            <a:endParaRPr b="0" lang="ru-RU" sz="1800" spc="-1" strike="noStrike">
-              <a:solidFill>
-                <a:srgbClr val="000000"/>
-              </a:solidFill>
+            <a:pPr algn="ctr"/>
+            <a:endParaRPr b="0" lang="en-US" sz="4400" spc="-1" strike="noStrike">
               <a:latin typeface="Arial"/>
             </a:endParaRPr>
           </a:p>
@@ -2510,10 +2481,7 @@
             <a:normAutofit/>
           </a:bodyPr>
           <a:p>
-            <a:endParaRPr b="0" lang="ru-RU" sz="2800" spc="-1" strike="noStrike">
-              <a:solidFill>
-                <a:srgbClr val="000000"/>
-              </a:solidFill>
+            <a:endParaRPr b="0" lang="en-US" sz="3200" spc="-1" strike="noStrike">
               <a:latin typeface="Arial"/>
             </a:endParaRPr>
           </a:p>
@@ -2543,10 +2511,7 @@
             <a:normAutofit/>
           </a:bodyPr>
           <a:p>
-            <a:endParaRPr b="0" lang="ru-RU" sz="2800" spc="-1" strike="noStrike">
-              <a:solidFill>
-                <a:srgbClr val="000000"/>
-              </a:solidFill>
+            <a:endParaRPr b="0" lang="en-US" sz="3200" spc="-1" strike="noStrike">
               <a:latin typeface="Arial"/>
             </a:endParaRPr>
           </a:p>
@@ -2576,10 +2541,7 @@
             <a:normAutofit/>
           </a:bodyPr>
           <a:p>
-            <a:endParaRPr b="0" lang="ru-RU" sz="2800" spc="-1" strike="noStrike">
-              <a:solidFill>
-                <a:srgbClr val="000000"/>
-              </a:solidFill>
+            <a:endParaRPr b="0" lang="en-US" sz="3200" spc="-1" strike="noStrike">
               <a:latin typeface="Arial"/>
             </a:endParaRPr>
           </a:p>
@@ -2609,10 +2571,7 @@
             <a:normAutofit/>
           </a:bodyPr>
           <a:p>
-            <a:endParaRPr b="0" lang="ru-RU" sz="2800" spc="-1" strike="noStrike">
-              <a:solidFill>
-                <a:srgbClr val="000000"/>
-              </a:solidFill>
+            <a:endParaRPr b="0" lang="en-US" sz="3200" spc="-1" strike="noStrike">
               <a:latin typeface="Arial"/>
             </a:endParaRPr>
           </a:p>
@@ -2642,10 +2601,7 @@
             <a:normAutofit/>
           </a:bodyPr>
           <a:p>
-            <a:endParaRPr b="0" lang="ru-RU" sz="2800" spc="-1" strike="noStrike">
-              <a:solidFill>
-                <a:srgbClr val="000000"/>
-              </a:solidFill>
+            <a:endParaRPr b="0" lang="en-US" sz="3200" spc="-1" strike="noStrike">
               <a:latin typeface="Arial"/>
             </a:endParaRPr>
           </a:p>
@@ -2675,10 +2631,7 @@
             <a:normAutofit/>
           </a:bodyPr>
           <a:p>
-            <a:endParaRPr b="0" lang="ru-RU" sz="2800" spc="-1" strike="noStrike">
-              <a:solidFill>
-                <a:srgbClr val="000000"/>
-              </a:solidFill>
+            <a:endParaRPr b="0" lang="en-US" sz="3200" spc="-1" strike="noStrike">
               <a:latin typeface="Arial"/>
             </a:endParaRPr>
           </a:p>
@@ -2740,8 +2693,8 @@
         </p:nvSpPr>
         <p:spPr>
           <a:xfrm>
-            <a:off x="503640" y="225720"/>
-            <a:ext cx="9067680" cy="945360"/>
+            <a:off x="503640" y="226080"/>
+            <a:ext cx="9069120" cy="946080"/>
           </a:xfrm>
           <a:prstGeom prst="rect">
             <a:avLst/>
@@ -2750,10 +2703,8 @@
         <p:txBody>
           <a:bodyPr lIns="0" rIns="0" tIns="0" bIns="0" anchor="ctr"/>
           <a:p>
-            <a:endParaRPr b="0" lang="ru-RU" sz="1800" spc="-1" strike="noStrike">
-              <a:solidFill>
-                <a:srgbClr val="000000"/>
-              </a:solidFill>
+            <a:pPr algn="ctr"/>
+            <a:endParaRPr b="0" lang="en-US" sz="4400" spc="-1" strike="noStrike">
               <a:latin typeface="Arial"/>
             </a:endParaRPr>
           </a:p>
@@ -2822,8 +2773,8 @@
         </p:nvSpPr>
         <p:spPr>
           <a:xfrm>
-            <a:off x="503640" y="225720"/>
-            <a:ext cx="9067680" cy="945360"/>
+            <a:off x="503640" y="226080"/>
+            <a:ext cx="9069120" cy="946080"/>
           </a:xfrm>
           <a:prstGeom prst="rect">
             <a:avLst/>
@@ -2832,10 +2783,8 @@
         <p:txBody>
           <a:bodyPr lIns="0" rIns="0" tIns="0" bIns="0" anchor="ctr"/>
           <a:p>
-            <a:endParaRPr b="0" lang="ru-RU" sz="1800" spc="-1" strike="noStrike">
-              <a:solidFill>
-                <a:srgbClr val="000000"/>
-              </a:solidFill>
+            <a:pPr algn="ctr"/>
+            <a:endParaRPr b="0" lang="en-US" sz="4400" spc="-1" strike="noStrike">
               <a:latin typeface="Arial"/>
             </a:endParaRPr>
           </a:p>
@@ -2865,10 +2814,7 @@
             <a:normAutofit/>
           </a:bodyPr>
           <a:p>
-            <a:endParaRPr b="0" lang="ru-RU" sz="2800" spc="-1" strike="noStrike">
-              <a:solidFill>
-                <a:srgbClr val="000000"/>
-              </a:solidFill>
+            <a:endParaRPr b="0" lang="en-US" sz="3200" spc="-1" strike="noStrike">
               <a:latin typeface="Arial"/>
             </a:endParaRPr>
           </a:p>
@@ -2908,8 +2854,8 @@
         </p:nvSpPr>
         <p:spPr>
           <a:xfrm>
-            <a:off x="503640" y="225720"/>
-            <a:ext cx="9067680" cy="945360"/>
+            <a:off x="503640" y="226080"/>
+            <a:ext cx="9069120" cy="946080"/>
           </a:xfrm>
           <a:prstGeom prst="rect">
             <a:avLst/>
@@ -2918,10 +2864,8 @@
         <p:txBody>
           <a:bodyPr lIns="0" rIns="0" tIns="0" bIns="0" anchor="ctr"/>
           <a:p>
-            <a:endParaRPr b="0" lang="ru-RU" sz="1800" spc="-1" strike="noStrike">
-              <a:solidFill>
-                <a:srgbClr val="000000"/>
-              </a:solidFill>
+            <a:pPr algn="ctr"/>
+            <a:endParaRPr b="0" lang="en-US" sz="4400" spc="-1" strike="noStrike">
               <a:latin typeface="Arial"/>
             </a:endParaRPr>
           </a:p>
@@ -2951,10 +2895,7 @@
             <a:normAutofit/>
           </a:bodyPr>
           <a:p>
-            <a:endParaRPr b="0" lang="ru-RU" sz="2800" spc="-1" strike="noStrike">
-              <a:solidFill>
-                <a:srgbClr val="000000"/>
-              </a:solidFill>
+            <a:endParaRPr b="0" lang="en-US" sz="3200" spc="-1" strike="noStrike">
               <a:latin typeface="Arial"/>
             </a:endParaRPr>
           </a:p>
@@ -2984,10 +2925,7 @@
             <a:normAutofit/>
           </a:bodyPr>
           <a:p>
-            <a:endParaRPr b="0" lang="ru-RU" sz="2800" spc="-1" strike="noStrike">
-              <a:solidFill>
-                <a:srgbClr val="000000"/>
-              </a:solidFill>
+            <a:endParaRPr b="0" lang="en-US" sz="3200" spc="-1" strike="noStrike">
               <a:latin typeface="Arial"/>
             </a:endParaRPr>
           </a:p>
@@ -3027,8 +2965,8 @@
         </p:nvSpPr>
         <p:spPr>
           <a:xfrm>
-            <a:off x="503640" y="225720"/>
-            <a:ext cx="9067680" cy="945360"/>
+            <a:off x="503640" y="226080"/>
+            <a:ext cx="9069120" cy="946080"/>
           </a:xfrm>
           <a:prstGeom prst="rect">
             <a:avLst/>
@@ -3037,10 +2975,8 @@
         <p:txBody>
           <a:bodyPr lIns="0" rIns="0" tIns="0" bIns="0" anchor="ctr"/>
           <a:p>
-            <a:endParaRPr b="0" lang="ru-RU" sz="1800" spc="-1" strike="noStrike">
-              <a:solidFill>
-                <a:srgbClr val="000000"/>
-              </a:solidFill>
+            <a:pPr algn="ctr"/>
+            <a:endParaRPr b="0" lang="en-US" sz="4400" spc="-1" strike="noStrike">
               <a:latin typeface="Arial"/>
             </a:endParaRPr>
           </a:p>
@@ -3080,8 +3016,8 @@
         </p:nvSpPr>
         <p:spPr>
           <a:xfrm>
-            <a:off x="503640" y="225720"/>
-            <a:ext cx="9067680" cy="4383360"/>
+            <a:off x="503640" y="226080"/>
+            <a:ext cx="9069120" cy="4386600"/>
           </a:xfrm>
           <a:prstGeom prst="rect">
             <a:avLst/>
@@ -3131,8 +3067,8 @@
         </p:nvSpPr>
         <p:spPr>
           <a:xfrm>
-            <a:off x="503640" y="225720"/>
-            <a:ext cx="9067680" cy="945360"/>
+            <a:off x="503640" y="226080"/>
+            <a:ext cx="9069120" cy="946080"/>
           </a:xfrm>
           <a:prstGeom prst="rect">
             <a:avLst/>
@@ -3141,10 +3077,8 @@
         <p:txBody>
           <a:bodyPr lIns="0" rIns="0" tIns="0" bIns="0" anchor="ctr"/>
           <a:p>
-            <a:endParaRPr b="0" lang="ru-RU" sz="1800" spc="-1" strike="noStrike">
-              <a:solidFill>
-                <a:srgbClr val="000000"/>
-              </a:solidFill>
+            <a:pPr algn="ctr"/>
+            <a:endParaRPr b="0" lang="en-US" sz="4400" spc="-1" strike="noStrike">
               <a:latin typeface="Arial"/>
             </a:endParaRPr>
           </a:p>
@@ -3174,10 +3108,7 @@
             <a:normAutofit/>
           </a:bodyPr>
           <a:p>
-            <a:endParaRPr b="0" lang="ru-RU" sz="2800" spc="-1" strike="noStrike">
-              <a:solidFill>
-                <a:srgbClr val="000000"/>
-              </a:solidFill>
+            <a:endParaRPr b="0" lang="en-US" sz="3200" spc="-1" strike="noStrike">
               <a:latin typeface="Arial"/>
             </a:endParaRPr>
           </a:p>
@@ -3207,10 +3138,7 @@
             <a:normAutofit/>
           </a:bodyPr>
           <a:p>
-            <a:endParaRPr b="0" lang="ru-RU" sz="2800" spc="-1" strike="noStrike">
-              <a:solidFill>
-                <a:srgbClr val="000000"/>
-              </a:solidFill>
+            <a:endParaRPr b="0" lang="en-US" sz="3200" spc="-1" strike="noStrike">
               <a:latin typeface="Arial"/>
             </a:endParaRPr>
           </a:p>
@@ -3240,10 +3168,7 @@
             <a:normAutofit/>
           </a:bodyPr>
           <a:p>
-            <a:endParaRPr b="0" lang="ru-RU" sz="2800" spc="-1" strike="noStrike">
-              <a:solidFill>
-                <a:srgbClr val="000000"/>
-              </a:solidFill>
+            <a:endParaRPr b="0" lang="en-US" sz="3200" spc="-1" strike="noStrike">
               <a:latin typeface="Arial"/>
             </a:endParaRPr>
           </a:p>
@@ -3283,8 +3208,8 @@
         </p:nvSpPr>
         <p:spPr>
           <a:xfrm>
-            <a:off x="503640" y="225720"/>
-            <a:ext cx="9067680" cy="945360"/>
+            <a:off x="503640" y="226080"/>
+            <a:ext cx="9069120" cy="946080"/>
           </a:xfrm>
           <a:prstGeom prst="rect">
             <a:avLst/>
@@ -3293,10 +3218,8 @@
         <p:txBody>
           <a:bodyPr lIns="0" rIns="0" tIns="0" bIns="0" anchor="ctr"/>
           <a:p>
-            <a:endParaRPr b="0" lang="ru-RU" sz="1800" spc="-1" strike="noStrike">
-              <a:solidFill>
-                <a:srgbClr val="000000"/>
-              </a:solidFill>
+            <a:pPr algn="ctr"/>
+            <a:endParaRPr b="0" lang="en-US" sz="4400" spc="-1" strike="noStrike">
               <a:latin typeface="Arial"/>
             </a:endParaRPr>
           </a:p>
@@ -3365,8 +3288,8 @@
         </p:nvSpPr>
         <p:spPr>
           <a:xfrm>
-            <a:off x="503640" y="225720"/>
-            <a:ext cx="9067680" cy="945360"/>
+            <a:off x="503640" y="226080"/>
+            <a:ext cx="9069120" cy="946080"/>
           </a:xfrm>
           <a:prstGeom prst="rect">
             <a:avLst/>
@@ -3375,10 +3298,8 @@
         <p:txBody>
           <a:bodyPr lIns="0" rIns="0" tIns="0" bIns="0" anchor="ctr"/>
           <a:p>
-            <a:endParaRPr b="0" lang="ru-RU" sz="1800" spc="-1" strike="noStrike">
-              <a:solidFill>
-                <a:srgbClr val="000000"/>
-              </a:solidFill>
+            <a:pPr algn="ctr"/>
+            <a:endParaRPr b="0" lang="en-US" sz="4400" spc="-1" strike="noStrike">
               <a:latin typeface="Arial"/>
             </a:endParaRPr>
           </a:p>
@@ -3408,10 +3329,7 @@
             <a:normAutofit/>
           </a:bodyPr>
           <a:p>
-            <a:endParaRPr b="0" lang="ru-RU" sz="2800" spc="-1" strike="noStrike">
-              <a:solidFill>
-                <a:srgbClr val="000000"/>
-              </a:solidFill>
+            <a:endParaRPr b="0" lang="en-US" sz="3200" spc="-1" strike="noStrike">
               <a:latin typeface="Arial"/>
             </a:endParaRPr>
           </a:p>
@@ -3441,10 +3359,7 @@
             <a:normAutofit/>
           </a:bodyPr>
           <a:p>
-            <a:endParaRPr b="0" lang="ru-RU" sz="2800" spc="-1" strike="noStrike">
-              <a:solidFill>
-                <a:srgbClr val="000000"/>
-              </a:solidFill>
+            <a:endParaRPr b="0" lang="en-US" sz="3200" spc="-1" strike="noStrike">
               <a:latin typeface="Arial"/>
             </a:endParaRPr>
           </a:p>
@@ -3474,10 +3389,7 @@
             <a:normAutofit/>
           </a:bodyPr>
           <a:p>
-            <a:endParaRPr b="0" lang="ru-RU" sz="2800" spc="-1" strike="noStrike">
-              <a:solidFill>
-                <a:srgbClr val="000000"/>
-              </a:solidFill>
+            <a:endParaRPr b="0" lang="en-US" sz="3200" spc="-1" strike="noStrike">
               <a:latin typeface="Arial"/>
             </a:endParaRPr>
           </a:p>
@@ -3517,8 +3429,8 @@
         </p:nvSpPr>
         <p:spPr>
           <a:xfrm>
-            <a:off x="503640" y="225720"/>
-            <a:ext cx="9067680" cy="945360"/>
+            <a:off x="503640" y="226080"/>
+            <a:ext cx="9069120" cy="946080"/>
           </a:xfrm>
           <a:prstGeom prst="rect">
             <a:avLst/>
@@ -3527,10 +3439,8 @@
         <p:txBody>
           <a:bodyPr lIns="0" rIns="0" tIns="0" bIns="0" anchor="ctr"/>
           <a:p>
-            <a:endParaRPr b="0" lang="ru-RU" sz="1800" spc="-1" strike="noStrike">
-              <a:solidFill>
-                <a:srgbClr val="000000"/>
-              </a:solidFill>
+            <a:pPr algn="ctr"/>
+            <a:endParaRPr b="0" lang="en-US" sz="4400" spc="-1" strike="noStrike">
               <a:latin typeface="Arial"/>
             </a:endParaRPr>
           </a:p>
@@ -3560,10 +3470,7 @@
             <a:normAutofit/>
           </a:bodyPr>
           <a:p>
-            <a:endParaRPr b="0" lang="ru-RU" sz="2800" spc="-1" strike="noStrike">
-              <a:solidFill>
-                <a:srgbClr val="000000"/>
-              </a:solidFill>
+            <a:endParaRPr b="0" lang="en-US" sz="3200" spc="-1" strike="noStrike">
               <a:latin typeface="Arial"/>
             </a:endParaRPr>
           </a:p>
@@ -3593,10 +3500,7 @@
             <a:normAutofit/>
           </a:bodyPr>
           <a:p>
-            <a:endParaRPr b="0" lang="ru-RU" sz="2800" spc="-1" strike="noStrike">
-              <a:solidFill>
-                <a:srgbClr val="000000"/>
-              </a:solidFill>
+            <a:endParaRPr b="0" lang="en-US" sz="3200" spc="-1" strike="noStrike">
               <a:latin typeface="Arial"/>
             </a:endParaRPr>
           </a:p>
@@ -3626,10 +3530,7 @@
             <a:normAutofit/>
           </a:bodyPr>
           <a:p>
-            <a:endParaRPr b="0" lang="ru-RU" sz="2800" spc="-1" strike="noStrike">
-              <a:solidFill>
-                <a:srgbClr val="000000"/>
-              </a:solidFill>
+            <a:endParaRPr b="0" lang="en-US" sz="3200" spc="-1" strike="noStrike">
               <a:latin typeface="Arial"/>
             </a:endParaRPr>
           </a:p>
@@ -3669,8 +3570,8 @@
         </p:nvSpPr>
         <p:spPr>
           <a:xfrm>
-            <a:off x="503640" y="225720"/>
-            <a:ext cx="9067680" cy="945360"/>
+            <a:off x="503640" y="226080"/>
+            <a:ext cx="9069120" cy="946080"/>
           </a:xfrm>
           <a:prstGeom prst="rect">
             <a:avLst/>
@@ -3679,10 +3580,8 @@
         <p:txBody>
           <a:bodyPr lIns="0" rIns="0" tIns="0" bIns="0" anchor="ctr"/>
           <a:p>
-            <a:endParaRPr b="0" lang="ru-RU" sz="1800" spc="-1" strike="noStrike">
-              <a:solidFill>
-                <a:srgbClr val="000000"/>
-              </a:solidFill>
+            <a:pPr algn="ctr"/>
+            <a:endParaRPr b="0" lang="en-US" sz="4400" spc="-1" strike="noStrike">
               <a:latin typeface="Arial"/>
             </a:endParaRPr>
           </a:p>
@@ -3712,10 +3611,7 @@
             <a:normAutofit/>
           </a:bodyPr>
           <a:p>
-            <a:endParaRPr b="0" lang="ru-RU" sz="2800" spc="-1" strike="noStrike">
-              <a:solidFill>
-                <a:srgbClr val="000000"/>
-              </a:solidFill>
+            <a:endParaRPr b="0" lang="en-US" sz="3200" spc="-1" strike="noStrike">
               <a:latin typeface="Arial"/>
             </a:endParaRPr>
           </a:p>
@@ -3745,10 +3641,7 @@
             <a:normAutofit/>
           </a:bodyPr>
           <a:p>
-            <a:endParaRPr b="0" lang="ru-RU" sz="2800" spc="-1" strike="noStrike">
-              <a:solidFill>
-                <a:srgbClr val="000000"/>
-              </a:solidFill>
+            <a:endParaRPr b="0" lang="en-US" sz="3200" spc="-1" strike="noStrike">
               <a:latin typeface="Arial"/>
             </a:endParaRPr>
           </a:p>
@@ -3788,8 +3681,8 @@
         </p:nvSpPr>
         <p:spPr>
           <a:xfrm>
-            <a:off x="503640" y="225720"/>
-            <a:ext cx="9067680" cy="945360"/>
+            <a:off x="503640" y="226080"/>
+            <a:ext cx="9069120" cy="946080"/>
           </a:xfrm>
           <a:prstGeom prst="rect">
             <a:avLst/>
@@ -3798,10 +3691,8 @@
         <p:txBody>
           <a:bodyPr lIns="0" rIns="0" tIns="0" bIns="0" anchor="ctr"/>
           <a:p>
-            <a:endParaRPr b="0" lang="ru-RU" sz="1800" spc="-1" strike="noStrike">
-              <a:solidFill>
-                <a:srgbClr val="000000"/>
-              </a:solidFill>
+            <a:pPr algn="ctr"/>
+            <a:endParaRPr b="0" lang="en-US" sz="4400" spc="-1" strike="noStrike">
               <a:latin typeface="Arial"/>
             </a:endParaRPr>
           </a:p>
@@ -3831,10 +3722,7 @@
             <a:normAutofit/>
           </a:bodyPr>
           <a:p>
-            <a:endParaRPr b="0" lang="ru-RU" sz="2800" spc="-1" strike="noStrike">
-              <a:solidFill>
-                <a:srgbClr val="000000"/>
-              </a:solidFill>
+            <a:endParaRPr b="0" lang="en-US" sz="3200" spc="-1" strike="noStrike">
               <a:latin typeface="Arial"/>
             </a:endParaRPr>
           </a:p>
@@ -3864,10 +3752,7 @@
             <a:normAutofit/>
           </a:bodyPr>
           <a:p>
-            <a:endParaRPr b="0" lang="ru-RU" sz="2800" spc="-1" strike="noStrike">
-              <a:solidFill>
-                <a:srgbClr val="000000"/>
-              </a:solidFill>
+            <a:endParaRPr b="0" lang="en-US" sz="3200" spc="-1" strike="noStrike">
               <a:latin typeface="Arial"/>
             </a:endParaRPr>
           </a:p>
@@ -3897,10 +3782,7 @@
             <a:normAutofit/>
           </a:bodyPr>
           <a:p>
-            <a:endParaRPr b="0" lang="ru-RU" sz="2800" spc="-1" strike="noStrike">
-              <a:solidFill>
-                <a:srgbClr val="000000"/>
-              </a:solidFill>
+            <a:endParaRPr b="0" lang="en-US" sz="3200" spc="-1" strike="noStrike">
               <a:latin typeface="Arial"/>
             </a:endParaRPr>
           </a:p>
@@ -3930,10 +3812,7 @@
             <a:normAutofit/>
           </a:bodyPr>
           <a:p>
-            <a:endParaRPr b="0" lang="ru-RU" sz="2800" spc="-1" strike="noStrike">
-              <a:solidFill>
-                <a:srgbClr val="000000"/>
-              </a:solidFill>
+            <a:endParaRPr b="0" lang="en-US" sz="3200" spc="-1" strike="noStrike">
               <a:latin typeface="Arial"/>
             </a:endParaRPr>
           </a:p>
@@ -3973,8 +3852,8 @@
         </p:nvSpPr>
         <p:spPr>
           <a:xfrm>
-            <a:off x="503640" y="225720"/>
-            <a:ext cx="9067680" cy="945360"/>
+            <a:off x="503640" y="226080"/>
+            <a:ext cx="9069120" cy="946080"/>
           </a:xfrm>
           <a:prstGeom prst="rect">
             <a:avLst/>
@@ -3983,10 +3862,8 @@
         <p:txBody>
           <a:bodyPr lIns="0" rIns="0" tIns="0" bIns="0" anchor="ctr"/>
           <a:p>
-            <a:endParaRPr b="0" lang="ru-RU" sz="1800" spc="-1" strike="noStrike">
-              <a:solidFill>
-                <a:srgbClr val="000000"/>
-              </a:solidFill>
+            <a:pPr algn="ctr"/>
+            <a:endParaRPr b="0" lang="en-US" sz="4400" spc="-1" strike="noStrike">
               <a:latin typeface="Arial"/>
             </a:endParaRPr>
           </a:p>
@@ -4016,10 +3893,7 @@
             <a:normAutofit/>
           </a:bodyPr>
           <a:p>
-            <a:endParaRPr b="0" lang="ru-RU" sz="2800" spc="-1" strike="noStrike">
-              <a:solidFill>
-                <a:srgbClr val="000000"/>
-              </a:solidFill>
+            <a:endParaRPr b="0" lang="en-US" sz="3200" spc="-1" strike="noStrike">
               <a:latin typeface="Arial"/>
             </a:endParaRPr>
           </a:p>
@@ -4049,10 +3923,7 @@
             <a:normAutofit/>
           </a:bodyPr>
           <a:p>
-            <a:endParaRPr b="0" lang="ru-RU" sz="2800" spc="-1" strike="noStrike">
-              <a:solidFill>
-                <a:srgbClr val="000000"/>
-              </a:solidFill>
+            <a:endParaRPr b="0" lang="en-US" sz="3200" spc="-1" strike="noStrike">
               <a:latin typeface="Arial"/>
             </a:endParaRPr>
           </a:p>
@@ -4082,10 +3953,7 @@
             <a:normAutofit/>
           </a:bodyPr>
           <a:p>
-            <a:endParaRPr b="0" lang="ru-RU" sz="2800" spc="-1" strike="noStrike">
-              <a:solidFill>
-                <a:srgbClr val="000000"/>
-              </a:solidFill>
+            <a:endParaRPr b="0" lang="en-US" sz="3200" spc="-1" strike="noStrike">
               <a:latin typeface="Arial"/>
             </a:endParaRPr>
           </a:p>
@@ -4115,10 +3983,7 @@
             <a:normAutofit/>
           </a:bodyPr>
           <a:p>
-            <a:endParaRPr b="0" lang="ru-RU" sz="2800" spc="-1" strike="noStrike">
-              <a:solidFill>
-                <a:srgbClr val="000000"/>
-              </a:solidFill>
+            <a:endParaRPr b="0" lang="en-US" sz="3200" spc="-1" strike="noStrike">
               <a:latin typeface="Arial"/>
             </a:endParaRPr>
           </a:p>
@@ -4148,10 +4013,7 @@
             <a:normAutofit/>
           </a:bodyPr>
           <a:p>
-            <a:endParaRPr b="0" lang="ru-RU" sz="2800" spc="-1" strike="noStrike">
-              <a:solidFill>
-                <a:srgbClr val="000000"/>
-              </a:solidFill>
+            <a:endParaRPr b="0" lang="en-US" sz="3200" spc="-1" strike="noStrike">
               <a:latin typeface="Arial"/>
             </a:endParaRPr>
           </a:p>
@@ -4181,10 +4043,7 @@
             <a:normAutofit/>
           </a:bodyPr>
           <a:p>
-            <a:endParaRPr b="0" lang="ru-RU" sz="2800" spc="-1" strike="noStrike">
-              <a:solidFill>
-                <a:srgbClr val="000000"/>
-              </a:solidFill>
+            <a:endParaRPr b="0" lang="en-US" sz="3200" spc="-1" strike="noStrike">
               <a:latin typeface="Arial"/>
             </a:endParaRPr>
           </a:p>
@@ -4224,8 +4083,8 @@
         </p:nvSpPr>
         <p:spPr>
           <a:xfrm>
-            <a:off x="503640" y="225720"/>
-            <a:ext cx="9067680" cy="945360"/>
+            <a:off x="503640" y="226080"/>
+            <a:ext cx="9069120" cy="946080"/>
           </a:xfrm>
           <a:prstGeom prst="rect">
             <a:avLst/>
@@ -4234,10 +4093,8 @@
         <p:txBody>
           <a:bodyPr lIns="0" rIns="0" tIns="0" bIns="0" anchor="ctr"/>
           <a:p>
-            <a:endParaRPr b="0" lang="ru-RU" sz="1800" spc="-1" strike="noStrike">
-              <a:solidFill>
-                <a:srgbClr val="000000"/>
-              </a:solidFill>
+            <a:pPr algn="ctr"/>
+            <a:endParaRPr b="0" lang="en-US" sz="4400" spc="-1" strike="noStrike">
               <a:latin typeface="Arial"/>
             </a:endParaRPr>
           </a:p>
@@ -4267,10 +4124,7 @@
             <a:normAutofit/>
           </a:bodyPr>
           <a:p>
-            <a:endParaRPr b="0" lang="ru-RU" sz="2800" spc="-1" strike="noStrike">
-              <a:solidFill>
-                <a:srgbClr val="000000"/>
-              </a:solidFill>
+            <a:endParaRPr b="0" lang="en-US" sz="3200" spc="-1" strike="noStrike">
               <a:latin typeface="Arial"/>
             </a:endParaRPr>
           </a:p>
@@ -4310,8 +4164,8 @@
         </p:nvSpPr>
         <p:spPr>
           <a:xfrm>
-            <a:off x="503640" y="225720"/>
-            <a:ext cx="9067680" cy="945360"/>
+            <a:off x="503640" y="226080"/>
+            <a:ext cx="9069120" cy="946080"/>
           </a:xfrm>
           <a:prstGeom prst="rect">
             <a:avLst/>
@@ -4320,10 +4174,8 @@
         <p:txBody>
           <a:bodyPr lIns="0" rIns="0" tIns="0" bIns="0" anchor="ctr"/>
           <a:p>
-            <a:endParaRPr b="0" lang="ru-RU" sz="1800" spc="-1" strike="noStrike">
-              <a:solidFill>
-                <a:srgbClr val="000000"/>
-              </a:solidFill>
+            <a:pPr algn="ctr"/>
+            <a:endParaRPr b="0" lang="en-US" sz="4400" spc="-1" strike="noStrike">
               <a:latin typeface="Arial"/>
             </a:endParaRPr>
           </a:p>
@@ -4353,10 +4205,7 @@
             <a:normAutofit/>
           </a:bodyPr>
           <a:p>
-            <a:endParaRPr b="0" lang="ru-RU" sz="2800" spc="-1" strike="noStrike">
-              <a:solidFill>
-                <a:srgbClr val="000000"/>
-              </a:solidFill>
+            <a:endParaRPr b="0" lang="en-US" sz="3200" spc="-1" strike="noStrike">
               <a:latin typeface="Arial"/>
             </a:endParaRPr>
           </a:p>
@@ -4386,10 +4235,7 @@
             <a:normAutofit/>
           </a:bodyPr>
           <a:p>
-            <a:endParaRPr b="0" lang="ru-RU" sz="2800" spc="-1" strike="noStrike">
-              <a:solidFill>
-                <a:srgbClr val="000000"/>
-              </a:solidFill>
+            <a:endParaRPr b="0" lang="en-US" sz="3200" spc="-1" strike="noStrike">
               <a:latin typeface="Arial"/>
             </a:endParaRPr>
           </a:p>
@@ -4429,8 +4275,8 @@
         </p:nvSpPr>
         <p:spPr>
           <a:xfrm>
-            <a:off x="503640" y="225720"/>
-            <a:ext cx="9067680" cy="945360"/>
+            <a:off x="503640" y="226080"/>
+            <a:ext cx="9069120" cy="946080"/>
           </a:xfrm>
           <a:prstGeom prst="rect">
             <a:avLst/>
@@ -4439,10 +4285,8 @@
         <p:txBody>
           <a:bodyPr lIns="0" rIns="0" tIns="0" bIns="0" anchor="ctr"/>
           <a:p>
-            <a:endParaRPr b="0" lang="ru-RU" sz="1800" spc="-1" strike="noStrike">
-              <a:solidFill>
-                <a:srgbClr val="000000"/>
-              </a:solidFill>
+            <a:pPr algn="ctr"/>
+            <a:endParaRPr b="0" lang="en-US" sz="4400" spc="-1" strike="noStrike">
               <a:latin typeface="Arial"/>
             </a:endParaRPr>
           </a:p>
@@ -4482,8 +4326,8 @@
         </p:nvSpPr>
         <p:spPr>
           <a:xfrm>
-            <a:off x="503640" y="225720"/>
-            <a:ext cx="9067680" cy="4383360"/>
+            <a:off x="503640" y="226080"/>
+            <a:ext cx="9069120" cy="4386600"/>
           </a:xfrm>
           <a:prstGeom prst="rect">
             <a:avLst/>
@@ -4533,8 +4377,8 @@
         </p:nvSpPr>
         <p:spPr>
           <a:xfrm>
-            <a:off x="503640" y="225720"/>
-            <a:ext cx="9067680" cy="945360"/>
+            <a:off x="503640" y="226080"/>
+            <a:ext cx="9069120" cy="946080"/>
           </a:xfrm>
           <a:prstGeom prst="rect">
             <a:avLst/>
@@ -4543,10 +4387,8 @@
         <p:txBody>
           <a:bodyPr lIns="0" rIns="0" tIns="0" bIns="0" anchor="ctr"/>
           <a:p>
-            <a:endParaRPr b="0" lang="ru-RU" sz="1800" spc="-1" strike="noStrike">
-              <a:solidFill>
-                <a:srgbClr val="000000"/>
-              </a:solidFill>
+            <a:pPr algn="ctr"/>
+            <a:endParaRPr b="0" lang="en-US" sz="4400" spc="-1" strike="noStrike">
               <a:latin typeface="Arial"/>
             </a:endParaRPr>
           </a:p>
@@ -4576,10 +4418,7 @@
             <a:normAutofit/>
           </a:bodyPr>
           <a:p>
-            <a:endParaRPr b="0" lang="ru-RU" sz="2800" spc="-1" strike="noStrike">
-              <a:solidFill>
-                <a:srgbClr val="000000"/>
-              </a:solidFill>
+            <a:endParaRPr b="0" lang="en-US" sz="3200" spc="-1" strike="noStrike">
               <a:latin typeface="Arial"/>
             </a:endParaRPr>
           </a:p>
@@ -4609,10 +4448,7 @@
             <a:normAutofit/>
           </a:bodyPr>
           <a:p>
-            <a:endParaRPr b="0" lang="ru-RU" sz="2800" spc="-1" strike="noStrike">
-              <a:solidFill>
-                <a:srgbClr val="000000"/>
-              </a:solidFill>
+            <a:endParaRPr b="0" lang="en-US" sz="3200" spc="-1" strike="noStrike">
               <a:latin typeface="Arial"/>
             </a:endParaRPr>
           </a:p>
@@ -4642,10 +4478,7 @@
             <a:normAutofit/>
           </a:bodyPr>
           <a:p>
-            <a:endParaRPr b="0" lang="ru-RU" sz="2800" spc="-1" strike="noStrike">
-              <a:solidFill>
-                <a:srgbClr val="000000"/>
-              </a:solidFill>
+            <a:endParaRPr b="0" lang="en-US" sz="3200" spc="-1" strike="noStrike">
               <a:latin typeface="Arial"/>
             </a:endParaRPr>
           </a:p>
@@ -4685,8 +4518,8 @@
         </p:nvSpPr>
         <p:spPr>
           <a:xfrm>
-            <a:off x="503640" y="225720"/>
-            <a:ext cx="9067680" cy="945360"/>
+            <a:off x="503640" y="226080"/>
+            <a:ext cx="9069120" cy="946080"/>
           </a:xfrm>
           <a:prstGeom prst="rect">
             <a:avLst/>
@@ -4695,10 +4528,8 @@
         <p:txBody>
           <a:bodyPr lIns="0" rIns="0" tIns="0" bIns="0" anchor="ctr"/>
           <a:p>
-            <a:endParaRPr b="0" lang="ru-RU" sz="1800" spc="-1" strike="noStrike">
-              <a:solidFill>
-                <a:srgbClr val="000000"/>
-              </a:solidFill>
+            <a:pPr algn="ctr"/>
+            <a:endParaRPr b="0" lang="en-US" sz="4400" spc="-1" strike="noStrike">
               <a:latin typeface="Arial"/>
             </a:endParaRPr>
           </a:p>
@@ -4728,10 +4559,7 @@
             <a:normAutofit/>
           </a:bodyPr>
           <a:p>
-            <a:endParaRPr b="0" lang="ru-RU" sz="2800" spc="-1" strike="noStrike">
-              <a:solidFill>
-                <a:srgbClr val="000000"/>
-              </a:solidFill>
+            <a:endParaRPr b="0" lang="en-US" sz="3200" spc="-1" strike="noStrike">
               <a:latin typeface="Arial"/>
             </a:endParaRPr>
           </a:p>
@@ -4761,10 +4589,7 @@
             <a:normAutofit/>
           </a:bodyPr>
           <a:p>
-            <a:endParaRPr b="0" lang="ru-RU" sz="2800" spc="-1" strike="noStrike">
-              <a:solidFill>
-                <a:srgbClr val="000000"/>
-              </a:solidFill>
+            <a:endParaRPr b="0" lang="en-US" sz="3200" spc="-1" strike="noStrike">
               <a:latin typeface="Arial"/>
             </a:endParaRPr>
           </a:p>
@@ -4794,10 +4619,7 @@
             <a:normAutofit/>
           </a:bodyPr>
           <a:p>
-            <a:endParaRPr b="0" lang="ru-RU" sz="2800" spc="-1" strike="noStrike">
-              <a:solidFill>
-                <a:srgbClr val="000000"/>
-              </a:solidFill>
+            <a:endParaRPr b="0" lang="en-US" sz="3200" spc="-1" strike="noStrike">
               <a:latin typeface="Arial"/>
             </a:endParaRPr>
           </a:p>
@@ -4837,8 +4659,8 @@
         </p:nvSpPr>
         <p:spPr>
           <a:xfrm>
-            <a:off x="503640" y="225720"/>
-            <a:ext cx="9067680" cy="945360"/>
+            <a:off x="503640" y="226080"/>
+            <a:ext cx="9069120" cy="946080"/>
           </a:xfrm>
           <a:prstGeom prst="rect">
             <a:avLst/>
@@ -4847,10 +4669,8 @@
         <p:txBody>
           <a:bodyPr lIns="0" rIns="0" tIns="0" bIns="0" anchor="ctr"/>
           <a:p>
-            <a:endParaRPr b="0" lang="ru-RU" sz="1800" spc="-1" strike="noStrike">
-              <a:solidFill>
-                <a:srgbClr val="000000"/>
-              </a:solidFill>
+            <a:pPr algn="ctr"/>
+            <a:endParaRPr b="0" lang="en-US" sz="4400" spc="-1" strike="noStrike">
               <a:latin typeface="Arial"/>
             </a:endParaRPr>
           </a:p>
@@ -4880,10 +4700,7 @@
             <a:normAutofit/>
           </a:bodyPr>
           <a:p>
-            <a:endParaRPr b="0" lang="ru-RU" sz="2800" spc="-1" strike="noStrike">
-              <a:solidFill>
-                <a:srgbClr val="000000"/>
-              </a:solidFill>
+            <a:endParaRPr b="0" lang="en-US" sz="3200" spc="-1" strike="noStrike">
               <a:latin typeface="Arial"/>
             </a:endParaRPr>
           </a:p>
@@ -4913,10 +4730,7 @@
             <a:normAutofit/>
           </a:bodyPr>
           <a:p>
-            <a:endParaRPr b="0" lang="ru-RU" sz="2800" spc="-1" strike="noStrike">
-              <a:solidFill>
-                <a:srgbClr val="000000"/>
-              </a:solidFill>
+            <a:endParaRPr b="0" lang="en-US" sz="3200" spc="-1" strike="noStrike">
               <a:latin typeface="Arial"/>
             </a:endParaRPr>
           </a:p>
@@ -4946,10 +4760,7 @@
             <a:normAutofit/>
           </a:bodyPr>
           <a:p>
-            <a:endParaRPr b="0" lang="ru-RU" sz="2800" spc="-1" strike="noStrike">
-              <a:solidFill>
-                <a:srgbClr val="000000"/>
-              </a:solidFill>
+            <a:endParaRPr b="0" lang="en-US" sz="3200" spc="-1" strike="noStrike">
               <a:latin typeface="Arial"/>
             </a:endParaRPr>
           </a:p>
@@ -5006,19 +4817,20 @@
         <p:txBody>
           <a:bodyPr lIns="0" rIns="0" tIns="0" bIns="0" anchor="ctr"/>
           <a:p>
+            <a:pPr algn="ctr"/>
             <a:r>
-              <a:rPr b="0" lang="ru-RU" sz="1800" spc="-1" strike="noStrike">
-                <a:solidFill>
-                  <a:srgbClr val="000000"/>
-                </a:solidFill>
+              <a:rPr b="0" lang="en-US" sz="4400" spc="-1" strike="noStrike">
                 <a:latin typeface="Arial"/>
               </a:rPr>
-              <a:t>Click to edit the title text format</a:t>
+              <a:t>Click to edit the title text </a:t>
             </a:r>
-            <a:endParaRPr b="0" lang="ru-RU" sz="1800" spc="-1" strike="noStrike">
-              <a:solidFill>
-                <a:srgbClr val="000000"/>
-              </a:solidFill>
+            <a:r>
+              <a:rPr b="0" lang="en-US" sz="4400" spc="-1" strike="noStrike">
+                <a:latin typeface="Arial"/>
+              </a:rPr>
+              <a:t>format</a:t>
+            </a:r>
+            <a:endParaRPr b="0" lang="en-US" sz="4400" spc="-1" strike="noStrike">
               <a:latin typeface="Arial"/>
             </a:endParaRPr>
           </a:p>
@@ -5060,18 +4872,12 @@
               <a:buChar char=""/>
             </a:pPr>
             <a:r>
-              <a:rPr b="0" lang="ru-RU" sz="2800" spc="-1" strike="noStrike">
-                <a:solidFill>
-                  <a:srgbClr val="000000"/>
-                </a:solidFill>
+              <a:rPr b="0" lang="en-US" sz="3200" spc="-1" strike="noStrike">
                 <a:latin typeface="Arial"/>
               </a:rPr>
               <a:t>Click to edit the outline text format</a:t>
             </a:r>
-            <a:endParaRPr b="0" lang="ru-RU" sz="2800" spc="-1" strike="noStrike">
-              <a:solidFill>
-                <a:srgbClr val="000000"/>
-              </a:solidFill>
+            <a:endParaRPr b="0" lang="en-US" sz="3200" spc="-1" strike="noStrike">
               <a:latin typeface="Arial"/>
             </a:endParaRPr>
           </a:p>
@@ -5088,18 +4894,12 @@
               <a:buChar char=""/>
             </a:pPr>
             <a:r>
-              <a:rPr b="0" lang="ru-RU" sz="2000" spc="-1" strike="noStrike">
-                <a:solidFill>
-                  <a:srgbClr val="000000"/>
-                </a:solidFill>
+              <a:rPr b="0" lang="en-US" sz="2800" spc="-1" strike="noStrike">
                 <a:latin typeface="Arial"/>
               </a:rPr>
               <a:t>Second Outline Level</a:t>
             </a:r>
-            <a:endParaRPr b="0" lang="ru-RU" sz="2000" spc="-1" strike="noStrike">
-              <a:solidFill>
-                <a:srgbClr val="000000"/>
-              </a:solidFill>
+            <a:endParaRPr b="0" lang="en-US" sz="2800" spc="-1" strike="noStrike">
               <a:latin typeface="Arial"/>
             </a:endParaRPr>
           </a:p>
@@ -5116,18 +4916,12 @@
               <a:buChar char=""/>
             </a:pPr>
             <a:r>
-              <a:rPr b="0" lang="ru-RU" sz="1800" spc="-1" strike="noStrike">
-                <a:solidFill>
-                  <a:srgbClr val="000000"/>
-                </a:solidFill>
+              <a:rPr b="0" lang="en-US" sz="2400" spc="-1" strike="noStrike">
                 <a:latin typeface="Arial"/>
               </a:rPr>
               <a:t>Third Outline Level</a:t>
             </a:r>
-            <a:endParaRPr b="0" lang="ru-RU" sz="1800" spc="-1" strike="noStrike">
-              <a:solidFill>
-                <a:srgbClr val="000000"/>
-              </a:solidFill>
+            <a:endParaRPr b="0" lang="en-US" sz="2400" spc="-1" strike="noStrike">
               <a:latin typeface="Arial"/>
             </a:endParaRPr>
           </a:p>
@@ -5144,18 +4938,12 @@
               <a:buChar char=""/>
             </a:pPr>
             <a:r>
-              <a:rPr b="0" lang="ru-RU" sz="1800" spc="-1" strike="noStrike">
-                <a:solidFill>
-                  <a:srgbClr val="000000"/>
-                </a:solidFill>
+              <a:rPr b="0" lang="en-US" sz="2000" spc="-1" strike="noStrike">
                 <a:latin typeface="Arial"/>
               </a:rPr>
               <a:t>Fourth Outline Level</a:t>
             </a:r>
-            <a:endParaRPr b="0" lang="ru-RU" sz="1800" spc="-1" strike="noStrike">
-              <a:solidFill>
-                <a:srgbClr val="000000"/>
-              </a:solidFill>
+            <a:endParaRPr b="0" lang="en-US" sz="2000" spc="-1" strike="noStrike">
               <a:latin typeface="Arial"/>
             </a:endParaRPr>
           </a:p>
@@ -5172,18 +4960,12 @@
               <a:buChar char=""/>
             </a:pPr>
             <a:r>
-              <a:rPr b="0" lang="ru-RU" sz="2000" spc="-1" strike="noStrike">
-                <a:solidFill>
-                  <a:srgbClr val="000000"/>
-                </a:solidFill>
+              <a:rPr b="0" lang="en-US" sz="2000" spc="-1" strike="noStrike">
                 <a:latin typeface="Arial"/>
               </a:rPr>
               <a:t>Fifth Outline Level</a:t>
             </a:r>
-            <a:endParaRPr b="0" lang="ru-RU" sz="2000" spc="-1" strike="noStrike">
-              <a:solidFill>
-                <a:srgbClr val="000000"/>
-              </a:solidFill>
+            <a:endParaRPr b="0" lang="en-US" sz="2000" spc="-1" strike="noStrike">
               <a:latin typeface="Arial"/>
             </a:endParaRPr>
           </a:p>
@@ -5200,18 +4982,12 @@
               <a:buChar char=""/>
             </a:pPr>
             <a:r>
-              <a:rPr b="0" lang="ru-RU" sz="2000" spc="-1" strike="noStrike">
-                <a:solidFill>
-                  <a:srgbClr val="000000"/>
-                </a:solidFill>
+              <a:rPr b="0" lang="en-US" sz="2000" spc="-1" strike="noStrike">
                 <a:latin typeface="Arial"/>
               </a:rPr>
               <a:t>Sixth Outline Level</a:t>
             </a:r>
-            <a:endParaRPr b="0" lang="ru-RU" sz="2000" spc="-1" strike="noStrike">
-              <a:solidFill>
-                <a:srgbClr val="000000"/>
-              </a:solidFill>
+            <a:endParaRPr b="0" lang="en-US" sz="2000" spc="-1" strike="noStrike">
               <a:latin typeface="Arial"/>
             </a:endParaRPr>
           </a:p>
@@ -5228,18 +5004,12 @@
               <a:buChar char=""/>
             </a:pPr>
             <a:r>
-              <a:rPr b="0" lang="ru-RU" sz="2000" spc="-1" strike="noStrike">
-                <a:solidFill>
-                  <a:srgbClr val="000000"/>
-                </a:solidFill>
+              <a:rPr b="0" lang="en-US" sz="2000" spc="-1" strike="noStrike">
                 <a:latin typeface="Arial"/>
               </a:rPr>
               <a:t>Seventh Outline Level</a:t>
             </a:r>
-            <a:endParaRPr b="0" lang="ru-RU" sz="2000" spc="-1" strike="noStrike">
-              <a:solidFill>
-                <a:srgbClr val="000000"/>
-              </a:solidFill>
+            <a:endParaRPr b="0" lang="en-US" sz="2000" spc="-1" strike="noStrike">
               <a:latin typeface="Arial"/>
             </a:endParaRPr>
           </a:p>
@@ -5301,29 +5071,24 @@
         </p:nvSpPr>
         <p:spPr>
           <a:xfrm>
-            <a:off x="503640" y="225720"/>
-            <a:ext cx="9067680" cy="945360"/>
-          </a:xfrm>
-          <a:prstGeom prst="rect">
-            <a:avLst/>
-          </a:prstGeom>
-        </p:spPr>
-        <p:txBody>
-          <a:bodyPr lIns="0" rIns="0" tIns="0" bIns="0" anchor="ctr" anchorCtr="1"/>
-          <a:p>
+            <a:off x="503640" y="226080"/>
+            <a:ext cx="9069120" cy="946080"/>
+          </a:xfrm>
+          <a:prstGeom prst="rect">
+            <a:avLst/>
+          </a:prstGeom>
+        </p:spPr>
+        <p:txBody>
+          <a:bodyPr lIns="0" rIns="0" tIns="0" bIns="0" anchor="ctr"/>
+          <a:p>
+            <a:pPr algn="ctr"/>
             <a:r>
-              <a:rPr b="0" lang="ru-RU" sz="4400" spc="-1" strike="noStrike">
-                <a:solidFill>
-                  <a:srgbClr val="000000"/>
-                </a:solidFill>
+              <a:rPr b="0" lang="en-US" sz="4400" spc="-1" strike="noStrike">
                 <a:latin typeface="Arial"/>
               </a:rPr>
               <a:t>Click to edit the title text format</a:t>
             </a:r>
-            <a:endParaRPr b="0" lang="ru-RU" sz="4400" spc="-1" strike="noStrike">
-              <a:solidFill>
-                <a:srgbClr val="000000"/>
-              </a:solidFill>
+            <a:endParaRPr b="0" lang="en-US" sz="4400" spc="-1" strike="noStrike">
               <a:latin typeface="Arial"/>
             </a:endParaRPr>
           </a:p>
@@ -5365,18 +5130,12 @@
               <a:buChar char=""/>
             </a:pPr>
             <a:r>
-              <a:rPr b="0" lang="ru-RU" sz="2800" spc="-1" strike="noStrike">
-                <a:solidFill>
-                  <a:srgbClr val="000000"/>
-                </a:solidFill>
+              <a:rPr b="0" lang="en-US" sz="3200" spc="-1" strike="noStrike">
                 <a:latin typeface="Arial"/>
               </a:rPr>
               <a:t>Click to edit the outline text format</a:t>
             </a:r>
-            <a:endParaRPr b="0" lang="ru-RU" sz="2800" spc="-1" strike="noStrike">
-              <a:solidFill>
-                <a:srgbClr val="000000"/>
-              </a:solidFill>
+            <a:endParaRPr b="0" lang="en-US" sz="3200" spc="-1" strike="noStrike">
               <a:latin typeface="Arial"/>
             </a:endParaRPr>
           </a:p>
@@ -5393,18 +5152,12 @@
               <a:buChar char=""/>
             </a:pPr>
             <a:r>
-              <a:rPr b="0" lang="ru-RU" sz="2000" spc="-1" strike="noStrike">
-                <a:solidFill>
-                  <a:srgbClr val="000000"/>
-                </a:solidFill>
+              <a:rPr b="0" lang="en-US" sz="2800" spc="-1" strike="noStrike">
                 <a:latin typeface="Arial"/>
               </a:rPr>
               <a:t>Second Outline Level</a:t>
             </a:r>
-            <a:endParaRPr b="0" lang="ru-RU" sz="2000" spc="-1" strike="noStrike">
-              <a:solidFill>
-                <a:srgbClr val="000000"/>
-              </a:solidFill>
+            <a:endParaRPr b="0" lang="en-US" sz="2800" spc="-1" strike="noStrike">
               <a:latin typeface="Arial"/>
             </a:endParaRPr>
           </a:p>
@@ -5421,18 +5174,12 @@
               <a:buChar char=""/>
             </a:pPr>
             <a:r>
-              <a:rPr b="0" lang="ru-RU" sz="1800" spc="-1" strike="noStrike">
-                <a:solidFill>
-                  <a:srgbClr val="000000"/>
-                </a:solidFill>
+              <a:rPr b="0" lang="en-US" sz="2400" spc="-1" strike="noStrike">
                 <a:latin typeface="Arial"/>
               </a:rPr>
               <a:t>Third Outline Level</a:t>
             </a:r>
-            <a:endParaRPr b="0" lang="ru-RU" sz="1800" spc="-1" strike="noStrike">
-              <a:solidFill>
-                <a:srgbClr val="000000"/>
-              </a:solidFill>
+            <a:endParaRPr b="0" lang="en-US" sz="2400" spc="-1" strike="noStrike">
               <a:latin typeface="Arial"/>
             </a:endParaRPr>
           </a:p>
@@ -5449,18 +5196,12 @@
               <a:buChar char=""/>
             </a:pPr>
             <a:r>
-              <a:rPr b="0" lang="ru-RU" sz="1800" spc="-1" strike="noStrike">
-                <a:solidFill>
-                  <a:srgbClr val="000000"/>
-                </a:solidFill>
+              <a:rPr b="0" lang="en-US" sz="2000" spc="-1" strike="noStrike">
                 <a:latin typeface="Arial"/>
               </a:rPr>
               <a:t>Fourth Outline Level</a:t>
             </a:r>
-            <a:endParaRPr b="0" lang="ru-RU" sz="1800" spc="-1" strike="noStrike">
-              <a:solidFill>
-                <a:srgbClr val="000000"/>
-              </a:solidFill>
+            <a:endParaRPr b="0" lang="en-US" sz="2000" spc="-1" strike="noStrike">
               <a:latin typeface="Arial"/>
             </a:endParaRPr>
           </a:p>
@@ -5477,18 +5218,12 @@
               <a:buChar char=""/>
             </a:pPr>
             <a:r>
-              <a:rPr b="0" lang="ru-RU" sz="2000" spc="-1" strike="noStrike">
-                <a:solidFill>
-                  <a:srgbClr val="000000"/>
-                </a:solidFill>
+              <a:rPr b="0" lang="en-US" sz="2000" spc="-1" strike="noStrike">
                 <a:latin typeface="Arial"/>
               </a:rPr>
               <a:t>Fifth Outline Level</a:t>
             </a:r>
-            <a:endParaRPr b="0" lang="ru-RU" sz="2000" spc="-1" strike="noStrike">
-              <a:solidFill>
-                <a:srgbClr val="000000"/>
-              </a:solidFill>
+            <a:endParaRPr b="0" lang="en-US" sz="2000" spc="-1" strike="noStrike">
               <a:latin typeface="Arial"/>
             </a:endParaRPr>
           </a:p>
@@ -5505,18 +5240,12 @@
               <a:buChar char=""/>
             </a:pPr>
             <a:r>
-              <a:rPr b="0" lang="ru-RU" sz="2000" spc="-1" strike="noStrike">
-                <a:solidFill>
-                  <a:srgbClr val="000000"/>
-                </a:solidFill>
+              <a:rPr b="0" lang="en-US" sz="2000" spc="-1" strike="noStrike">
                 <a:latin typeface="Arial"/>
               </a:rPr>
               <a:t>Sixth Outline Level</a:t>
             </a:r>
-            <a:endParaRPr b="0" lang="ru-RU" sz="2000" spc="-1" strike="noStrike">
-              <a:solidFill>
-                <a:srgbClr val="000000"/>
-              </a:solidFill>
+            <a:endParaRPr b="0" lang="en-US" sz="2000" spc="-1" strike="noStrike">
               <a:latin typeface="Arial"/>
             </a:endParaRPr>
           </a:p>
@@ -5533,18 +5262,12 @@
               <a:buChar char=""/>
             </a:pPr>
             <a:r>
-              <a:rPr b="0" lang="ru-RU" sz="2000" spc="-1" strike="noStrike">
-                <a:solidFill>
-                  <a:srgbClr val="000000"/>
-                </a:solidFill>
+              <a:rPr b="0" lang="en-US" sz="2000" spc="-1" strike="noStrike">
                 <a:latin typeface="Arial"/>
               </a:rPr>
               <a:t>Seventh Outline Level</a:t>
             </a:r>
-            <a:endParaRPr b="0" lang="ru-RU" sz="2000" spc="-1" strike="noStrike">
-              <a:solidFill>
-                <a:srgbClr val="000000"/>
-              </a:solidFill>
+            <a:endParaRPr b="0" lang="en-US" sz="2000" spc="-1" strike="noStrike">
               <a:latin typeface="Arial"/>
             </a:endParaRPr>
           </a:p>
@@ -5606,7 +5329,7 @@
         <p:spPr>
           <a:xfrm>
             <a:off x="735480" y="1262160"/>
-            <a:ext cx="6708600" cy="1560240"/>
+            <a:ext cx="6707880" cy="1559520"/>
           </a:xfrm>
           <a:prstGeom prst="roundRect">
             <a:avLst>
@@ -5646,7 +5369,7 @@
         <p:spPr>
           <a:xfrm>
             <a:off x="503640" y="225360"/>
-            <a:ext cx="9067680" cy="946440"/>
+            <a:ext cx="9066960" cy="945720"/>
           </a:xfrm>
           <a:prstGeom prst="rect">
             <a:avLst/>
@@ -5695,7 +5418,7 @@
         <p:spPr>
           <a:xfrm>
             <a:off x="821880" y="1371240"/>
-            <a:ext cx="3881160" cy="363600"/>
+            <a:ext cx="3880440" cy="362880"/>
           </a:xfrm>
           <a:prstGeom prst="rect">
             <a:avLst/>
@@ -5744,7 +5467,7 @@
         <p:spPr>
           <a:xfrm>
             <a:off x="825120" y="1828080"/>
-            <a:ext cx="6156360" cy="363600"/>
+            <a:ext cx="6155640" cy="362880"/>
           </a:xfrm>
           <a:prstGeom prst="rect">
             <a:avLst/>
@@ -5793,7 +5516,7 @@
         <p:spPr>
           <a:xfrm>
             <a:off x="821880" y="2287080"/>
-            <a:ext cx="3997080" cy="363600"/>
+            <a:ext cx="3996360" cy="362880"/>
           </a:xfrm>
           <a:prstGeom prst="rect">
             <a:avLst/>
@@ -5901,7 +5624,7 @@
         <p:spPr>
           <a:xfrm>
             <a:off x="5162040" y="145080"/>
-            <a:ext cx="4998960" cy="455400"/>
+            <a:ext cx="4998240" cy="454680"/>
           </a:xfrm>
           <a:prstGeom prst="rect">
             <a:avLst/>
@@ -5957,7 +5680,7 @@
         <p:spPr>
           <a:xfrm>
             <a:off x="548640" y="695880"/>
-            <a:ext cx="2557800" cy="1498680"/>
+            <a:ext cx="2557080" cy="1497960"/>
           </a:xfrm>
           <a:prstGeom prst="rect">
             <a:avLst/>
@@ -5980,7 +5703,7 @@
         <p:spPr>
           <a:xfrm>
             <a:off x="1972080" y="1902960"/>
-            <a:ext cx="3788640" cy="840240"/>
+            <a:ext cx="3787920" cy="839520"/>
           </a:xfrm>
           <a:prstGeom prst="rect">
             <a:avLst/>
@@ -6003,7 +5726,7 @@
         <p:spPr>
           <a:xfrm>
             <a:off x="6035040" y="2233080"/>
-            <a:ext cx="3558240" cy="1326600"/>
+            <a:ext cx="3557520" cy="1325880"/>
           </a:xfrm>
           <a:prstGeom prst="rect">
             <a:avLst/>
@@ -6026,7 +5749,7 @@
         <p:spPr>
           <a:xfrm>
             <a:off x="6035040" y="3559680"/>
-            <a:ext cx="3535560" cy="1268640"/>
+            <a:ext cx="3534840" cy="1267920"/>
           </a:xfrm>
           <a:prstGeom prst="rect">
             <a:avLst/>
@@ -6049,7 +5772,7 @@
         <p:spPr>
           <a:xfrm>
             <a:off x="6035040" y="4828320"/>
-            <a:ext cx="3566160" cy="383760"/>
+            <a:ext cx="3565440" cy="383040"/>
           </a:xfrm>
           <a:prstGeom prst="rect">
             <a:avLst/>
@@ -6072,7 +5795,7 @@
         <p:spPr>
           <a:xfrm>
             <a:off x="744480" y="3657600"/>
-            <a:ext cx="3278880" cy="896040"/>
+            <a:ext cx="3278160" cy="895320"/>
           </a:xfrm>
           <a:prstGeom prst="rect">
             <a:avLst/>
@@ -6150,7 +5873,7 @@
         <p:spPr>
           <a:xfrm>
             <a:off x="5162040" y="145080"/>
-            <a:ext cx="4998960" cy="455400"/>
+            <a:ext cx="4998240" cy="454680"/>
           </a:xfrm>
           <a:prstGeom prst="rect">
             <a:avLst/>
@@ -6206,7 +5929,7 @@
         <p:spPr>
           <a:xfrm>
             <a:off x="274320" y="548640"/>
-            <a:ext cx="3888000" cy="398160"/>
+            <a:ext cx="3887280" cy="397440"/>
           </a:xfrm>
           <a:prstGeom prst="rect">
             <a:avLst/>
@@ -6229,7 +5952,7 @@
         <p:spPr>
           <a:xfrm>
             <a:off x="625680" y="1351080"/>
-            <a:ext cx="3672000" cy="1209240"/>
+            <a:ext cx="3671280" cy="1208520"/>
           </a:xfrm>
           <a:prstGeom prst="rect">
             <a:avLst/>
@@ -6252,7 +5975,7 @@
         <p:spPr>
           <a:xfrm>
             <a:off x="365760" y="2926080"/>
-            <a:ext cx="3931920" cy="1028520"/>
+            <a:ext cx="3931200" cy="1027800"/>
           </a:xfrm>
           <a:prstGeom prst="rect">
             <a:avLst/>
@@ -6274,8 +5997,8 @@
         </p:blipFill>
         <p:spPr>
           <a:xfrm>
-            <a:off x="5029200" y="873720"/>
-            <a:ext cx="4748040" cy="1778040"/>
+            <a:off x="5745600" y="2927160"/>
+            <a:ext cx="2849040" cy="2467080"/>
           </a:xfrm>
           <a:prstGeom prst="rect">
             <a:avLst/>
@@ -6297,8 +6020,8 @@
         </p:blipFill>
         <p:spPr>
           <a:xfrm>
-            <a:off x="5745600" y="2927160"/>
-            <a:ext cx="2849760" cy="2467800"/>
+            <a:off x="5206680" y="884160"/>
+            <a:ext cx="4485960" cy="1676160"/>
           </a:xfrm>
           <a:prstGeom prst="rect">
             <a:avLst/>
@@ -6376,7 +6099,7 @@
         <p:spPr>
           <a:xfrm>
             <a:off x="4850280" y="506880"/>
-            <a:ext cx="5148000" cy="854280"/>
+            <a:ext cx="5147280" cy="853560"/>
           </a:xfrm>
           <a:prstGeom prst="roundRect">
             <a:avLst>
@@ -6409,14 +6132,14 @@
       </p:sp>
       <p:sp>
         <p:nvSpPr>
-          <p:cNvPr id="160" name="TextShape 2"/>
-          <p:cNvSpPr txBox="1"/>
+          <p:cNvPr id="160" name="CustomShape 2"/>
+          <p:cNvSpPr/>
           <p:nvPr/>
         </p:nvSpPr>
         <p:spPr>
           <a:xfrm>
             <a:off x="4731120" y="252000"/>
-            <a:ext cx="6112440" cy="1364040"/>
+            <a:ext cx="6111720" cy="1363320"/>
           </a:xfrm>
           <a:prstGeom prst="rect">
             <a:avLst/>
@@ -6426,6 +6149,12 @@
             <a:noFill/>
           </a:ln>
         </p:spPr>
+        <p:style>
+          <a:lnRef idx="0"/>
+          <a:fillRef idx="0"/>
+          <a:effectRef idx="0"/>
+          <a:fontRef idx="minor"/>
+        </p:style>
         <p:txBody>
           <a:bodyPr lIns="0" rIns="0" tIns="0" bIns="0" anchor="ctr" anchorCtr="1"/>
           <a:p>
@@ -6435,7 +6164,7 @@
               </a:lnSpc>
             </a:pPr>
             <a:r>
-              <a:rPr b="0" lang="ru-RU" sz="4400" spc="-1" strike="noStrike">
+              <a:rPr b="0" lang="en-US" sz="4400" spc="-1" strike="noStrike">
                 <a:solidFill>
                   <a:srgbClr val="ffffff"/>
                 </a:solidFill>
@@ -6444,10 +6173,7 @@
               </a:rPr>
               <a:t>Pros and Cons</a:t>
             </a:r>
-            <a:endParaRPr b="0" lang="ru-RU" sz="4400" spc="-1" strike="noStrike">
-              <a:solidFill>
-                <a:srgbClr val="000000"/>
-              </a:solidFill>
+            <a:endParaRPr b="0" lang="en-US" sz="4400" spc="-1" strike="noStrike">
               <a:latin typeface="Arial"/>
             </a:endParaRPr>
           </a:p>
@@ -6521,7 +6247,7 @@
         <p:spPr>
           <a:xfrm>
             <a:off x="655920" y="367920"/>
-            <a:ext cx="4293360" cy="794880"/>
+            <a:ext cx="4292640" cy="794160"/>
           </a:xfrm>
           <a:prstGeom prst="roundRect">
             <a:avLst>
@@ -6554,14 +6280,14 @@
       </p:sp>
       <p:sp>
         <p:nvSpPr>
-          <p:cNvPr id="162" name="TextShape 2"/>
-          <p:cNvSpPr txBox="1"/>
+          <p:cNvPr id="162" name="CustomShape 2"/>
+          <p:cNvSpPr/>
           <p:nvPr/>
         </p:nvSpPr>
         <p:spPr>
           <a:xfrm>
             <a:off x="-2259360" y="295200"/>
-            <a:ext cx="9067680" cy="945360"/>
+            <a:ext cx="9066960" cy="944640"/>
           </a:xfrm>
           <a:prstGeom prst="rect">
             <a:avLst/>
@@ -6571,6 +6297,12 @@
             <a:noFill/>
           </a:ln>
         </p:spPr>
+        <p:style>
+          <a:lnRef idx="0"/>
+          <a:fillRef idx="0"/>
+          <a:effectRef idx="0"/>
+          <a:fontRef idx="minor"/>
+        </p:style>
         <p:txBody>
           <a:bodyPr lIns="0" rIns="0" tIns="0" bIns="0" anchor="ctr" anchorCtr="1"/>
           <a:p>
@@ -6580,7 +6312,7 @@
               </a:lnSpc>
             </a:pPr>
             <a:r>
-              <a:rPr b="0" lang="ru-RU" sz="4400" spc="-1" strike="noStrike">
+              <a:rPr b="0" lang="en-US" sz="4400" spc="-1" strike="noStrike">
                 <a:solidFill>
                   <a:srgbClr val="ffffff"/>
                 </a:solidFill>
@@ -6589,10 +6321,7 @@
               </a:rPr>
               <a:t>Questions</a:t>
             </a:r>
-            <a:endParaRPr b="0" lang="ru-RU" sz="4400" spc="-1" strike="noStrike">
-              <a:solidFill>
-                <a:srgbClr val="000000"/>
-              </a:solidFill>
+            <a:endParaRPr b="0" lang="en-US" sz="4400" spc="-1" strike="noStrike">
               <a:latin typeface="Arial"/>
             </a:endParaRPr>
           </a:p>
@@ -6659,14 +6388,14 @@
       </p:grpSpPr>
       <p:sp>
         <p:nvSpPr>
-          <p:cNvPr id="163" name="TextShape 1"/>
-          <p:cNvSpPr txBox="1"/>
+          <p:cNvPr id="163" name="CustomShape 1"/>
+          <p:cNvSpPr/>
           <p:nvPr/>
         </p:nvSpPr>
         <p:spPr>
           <a:xfrm>
             <a:off x="3266640" y="295200"/>
-            <a:ext cx="6890760" cy="945360"/>
+            <a:ext cx="6890040" cy="944640"/>
           </a:xfrm>
           <a:prstGeom prst="rect">
             <a:avLst/>
@@ -6676,6 +6405,12 @@
             <a:noFill/>
           </a:ln>
         </p:spPr>
+        <p:style>
+          <a:lnRef idx="0"/>
+          <a:fillRef idx="0"/>
+          <a:effectRef idx="0"/>
+          <a:fontRef idx="minor"/>
+        </p:style>
         <p:txBody>
           <a:bodyPr lIns="0" rIns="0" tIns="0" bIns="0" anchor="ctr" anchorCtr="1"/>
           <a:p>
@@ -6685,7 +6420,7 @@
               </a:lnSpc>
             </a:pPr>
             <a:r>
-              <a:rPr b="0" lang="ru-RU" sz="7200" spc="-1" strike="noStrike">
+              <a:rPr b="0" lang="en-US" sz="7200" spc="-1" strike="noStrike">
                 <a:solidFill>
                   <a:srgbClr val="ffffff"/>
                 </a:solidFill>
@@ -6694,10 +6429,7 @@
               </a:rPr>
               <a:t>Thank you !</a:t>
             </a:r>
-            <a:endParaRPr b="0" lang="ru-RU" sz="7200" spc="-1" strike="noStrike">
-              <a:solidFill>
-                <a:srgbClr val="000000"/>
-              </a:solidFill>
+            <a:endParaRPr b="0" lang="en-US" sz="7200" spc="-1" strike="noStrike">
               <a:latin typeface="Arial"/>
             </a:endParaRPr>
           </a:p>
@@ -6825,7 +6557,7 @@
         <p:spPr>
           <a:xfrm>
             <a:off x="56880" y="0"/>
-            <a:ext cx="2967840" cy="946440"/>
+            <a:ext cx="2967120" cy="945720"/>
           </a:xfrm>
           <a:prstGeom prst="rect">
             <a:avLst/>
@@ -6878,7 +6610,7 @@
         <p:spPr>
           <a:xfrm>
             <a:off x="1800" y="627480"/>
-            <a:ext cx="10045440" cy="4937400"/>
+            <a:ext cx="10044720" cy="4936680"/>
           </a:xfrm>
           <a:prstGeom prst="rect">
             <a:avLst/>
@@ -6954,7 +6686,7 @@
         <p:spPr>
           <a:xfrm>
             <a:off x="57600" y="0"/>
-            <a:ext cx="2882880" cy="946440"/>
+            <a:ext cx="2882160" cy="945720"/>
           </a:xfrm>
           <a:prstGeom prst="rect">
             <a:avLst/>
@@ -7007,7 +6739,7 @@
         <p:spPr>
           <a:xfrm>
             <a:off x="57600" y="85320"/>
-            <a:ext cx="10002600" cy="5270400"/>
+            <a:ext cx="10001880" cy="5269680"/>
           </a:xfrm>
           <a:prstGeom prst="rect">
             <a:avLst/>
@@ -7085,7 +6817,7 @@
         <p:spPr>
           <a:xfrm>
             <a:off x="3813840" y="1026360"/>
-            <a:ext cx="5009040" cy="2335320"/>
+            <a:ext cx="5008320" cy="2334600"/>
           </a:xfrm>
           <a:prstGeom prst="roundRect">
             <a:avLst>
@@ -7125,7 +6857,7 @@
         <p:spPr>
           <a:xfrm>
             <a:off x="493560" y="273960"/>
-            <a:ext cx="9067320" cy="456480"/>
+            <a:ext cx="9066600" cy="455760"/>
           </a:xfrm>
           <a:prstGeom prst="rect">
             <a:avLst/>
@@ -7181,7 +6913,7 @@
         <p:spPr>
           <a:xfrm>
             <a:off x="0" y="2336760"/>
-            <a:ext cx="1155960" cy="1423080"/>
+            <a:ext cx="1155240" cy="1422360"/>
           </a:xfrm>
           <a:prstGeom prst="rect">
             <a:avLst/>
@@ -7200,7 +6932,7 @@
         <p:spPr>
           <a:xfrm>
             <a:off x="3932280" y="1193760"/>
-            <a:ext cx="4440240" cy="363600"/>
+            <a:ext cx="4439520" cy="362880"/>
           </a:xfrm>
           <a:prstGeom prst="rect">
             <a:avLst/>
@@ -7249,7 +6981,7 @@
         <p:spPr>
           <a:xfrm>
             <a:off x="3932280" y="1703160"/>
-            <a:ext cx="4772880" cy="969120"/>
+            <a:ext cx="4772160" cy="968400"/>
           </a:xfrm>
           <a:prstGeom prst="rect">
             <a:avLst/>
@@ -7328,7 +7060,7 @@
         <p:spPr>
           <a:xfrm>
             <a:off x="3969720" y="2409120"/>
-            <a:ext cx="4402800" cy="960840"/>
+            <a:ext cx="4402080" cy="960120"/>
           </a:xfrm>
           <a:prstGeom prst="rect">
             <a:avLst/>
@@ -7402,7 +7134,7 @@
         <p:spPr>
           <a:xfrm>
             <a:off x="182880" y="3997080"/>
-            <a:ext cx="2685240" cy="1489320"/>
+            <a:ext cx="2684520" cy="1488600"/>
           </a:xfrm>
           <a:prstGeom prst="rect">
             <a:avLst/>
@@ -7425,7 +7157,7 @@
         <p:spPr>
           <a:xfrm>
             <a:off x="3295080" y="3566160"/>
-            <a:ext cx="3471480" cy="1918800"/>
+            <a:ext cx="3470760" cy="1918080"/>
           </a:xfrm>
           <a:prstGeom prst="rect">
             <a:avLst/>
@@ -7448,7 +7180,7 @@
         <p:spPr>
           <a:xfrm>
             <a:off x="7589520" y="3507840"/>
-            <a:ext cx="2103120" cy="1978560"/>
+            <a:ext cx="2102400" cy="1977840"/>
           </a:xfrm>
           <a:prstGeom prst="rect">
             <a:avLst/>
@@ -7526,7 +7258,7 @@
         <p:spPr>
           <a:xfrm>
             <a:off x="4255200" y="1520640"/>
-            <a:ext cx="5401440" cy="2325240"/>
+            <a:ext cx="5400720" cy="2324520"/>
           </a:xfrm>
           <a:prstGeom prst="roundRect">
             <a:avLst>
@@ -7566,7 +7298,7 @@
         <p:spPr>
           <a:xfrm>
             <a:off x="5162040" y="145080"/>
-            <a:ext cx="4998960" cy="455400"/>
+            <a:ext cx="4998240" cy="454680"/>
           </a:xfrm>
           <a:prstGeom prst="rect">
             <a:avLst/>
@@ -7618,7 +7350,7 @@
         <p:spPr>
           <a:xfrm>
             <a:off x="4368600" y="2831400"/>
-            <a:ext cx="3576240" cy="364320"/>
+            <a:ext cx="3575520" cy="363600"/>
           </a:xfrm>
           <a:prstGeom prst="rect">
             <a:avLst/>
@@ -7667,7 +7399,7 @@
         <p:spPr>
           <a:xfrm>
             <a:off x="4354560" y="1735920"/>
-            <a:ext cx="2982240" cy="363600"/>
+            <a:ext cx="2981520" cy="362880"/>
           </a:xfrm>
           <a:prstGeom prst="rect">
             <a:avLst/>
@@ -7716,7 +7448,7 @@
         <p:spPr>
           <a:xfrm>
             <a:off x="4354560" y="2102760"/>
-            <a:ext cx="5214600" cy="364320"/>
+            <a:ext cx="5213880" cy="363600"/>
           </a:xfrm>
           <a:prstGeom prst="rect">
             <a:avLst/>
@@ -7765,7 +7497,7 @@
         <p:spPr>
           <a:xfrm>
             <a:off x="4368600" y="2467440"/>
-            <a:ext cx="3791160" cy="363600"/>
+            <a:ext cx="3790440" cy="362880"/>
           </a:xfrm>
           <a:prstGeom prst="rect">
             <a:avLst/>
@@ -7818,7 +7550,7 @@
         <p:spPr>
           <a:xfrm>
             <a:off x="7955280" y="780480"/>
-            <a:ext cx="2094120" cy="956880"/>
+            <a:ext cx="2093400" cy="956160"/>
           </a:xfrm>
           <a:prstGeom prst="rect">
             <a:avLst/>
@@ -7841,7 +7573,7 @@
         <p:spPr>
           <a:xfrm>
             <a:off x="274320" y="2149920"/>
-            <a:ext cx="3583800" cy="1690560"/>
+            <a:ext cx="3583080" cy="1689840"/>
           </a:xfrm>
           <a:prstGeom prst="rect">
             <a:avLst/>
@@ -7864,7 +7596,7 @@
         <p:spPr>
           <a:xfrm>
             <a:off x="5935680" y="4297680"/>
-            <a:ext cx="3665520" cy="1152360"/>
+            <a:ext cx="3664800" cy="1151640"/>
           </a:xfrm>
           <a:prstGeom prst="rect">
             <a:avLst/>
@@ -7887,7 +7619,7 @@
         <p:spPr>
           <a:xfrm>
             <a:off x="1456560" y="4114800"/>
-            <a:ext cx="2841120" cy="1384560"/>
+            <a:ext cx="2840400" cy="1383840"/>
           </a:xfrm>
           <a:prstGeom prst="rect">
             <a:avLst/>
@@ -7965,7 +7697,7 @@
         <p:spPr>
           <a:xfrm>
             <a:off x="490680" y="4578120"/>
-            <a:ext cx="8427240" cy="364320"/>
+            <a:ext cx="8426520" cy="363600"/>
           </a:xfrm>
           <a:prstGeom prst="roundRect">
             <a:avLst>
@@ -8005,7 +7737,7 @@
         <p:spPr>
           <a:xfrm>
             <a:off x="445680" y="2670840"/>
-            <a:ext cx="7026480" cy="912960"/>
+            <a:ext cx="7025760" cy="912240"/>
           </a:xfrm>
           <a:prstGeom prst="roundRect">
             <a:avLst>
@@ -8045,7 +7777,7 @@
         <p:spPr>
           <a:xfrm>
             <a:off x="490680" y="822240"/>
-            <a:ext cx="4438800" cy="912960"/>
+            <a:ext cx="4438080" cy="912240"/>
           </a:xfrm>
           <a:prstGeom prst="roundRect">
             <a:avLst>
@@ -8085,7 +7817,7 @@
         <p:spPr>
           <a:xfrm>
             <a:off x="-32040" y="228240"/>
-            <a:ext cx="4875840" cy="596160"/>
+            <a:ext cx="4875120" cy="595440"/>
           </a:xfrm>
           <a:prstGeom prst="rect">
             <a:avLst/>
@@ -8137,7 +7869,7 @@
         <p:spPr>
           <a:xfrm>
             <a:off x="490680" y="822240"/>
-            <a:ext cx="2313360" cy="363600"/>
+            <a:ext cx="2312640" cy="362880"/>
           </a:xfrm>
           <a:prstGeom prst="rect">
             <a:avLst/>
@@ -8186,7 +7918,7 @@
         <p:spPr>
           <a:xfrm>
             <a:off x="490680" y="1099080"/>
-            <a:ext cx="2892240" cy="363600"/>
+            <a:ext cx="2891520" cy="362880"/>
           </a:xfrm>
           <a:prstGeom prst="rect">
             <a:avLst/>
@@ -8235,7 +7967,7 @@
         <p:spPr>
           <a:xfrm>
             <a:off x="490680" y="1371600"/>
-            <a:ext cx="2005920" cy="363600"/>
+            <a:ext cx="2005200" cy="362880"/>
           </a:xfrm>
           <a:prstGeom prst="rect">
             <a:avLst/>
@@ -8288,7 +8020,7 @@
         <p:spPr>
           <a:xfrm>
             <a:off x="8547480" y="2395080"/>
-            <a:ext cx="1279080" cy="1279080"/>
+            <a:ext cx="1278360" cy="1278360"/>
           </a:xfrm>
           <a:prstGeom prst="rect">
             <a:avLst/>
@@ -8311,7 +8043,7 @@
         <p:spPr>
           <a:xfrm>
             <a:off x="7784280" y="605160"/>
-            <a:ext cx="1735560" cy="975960"/>
+            <a:ext cx="1734840" cy="975240"/>
           </a:xfrm>
           <a:prstGeom prst="rect">
             <a:avLst/>
@@ -8330,7 +8062,7 @@
         <p:spPr>
           <a:xfrm>
             <a:off x="3473280" y="2742480"/>
-            <a:ext cx="1370520" cy="426600"/>
+            <a:ext cx="1369800" cy="425880"/>
           </a:xfrm>
           <a:prstGeom prst="rect">
             <a:avLst/>
@@ -8356,7 +8088,7 @@
         <p:spPr>
           <a:xfrm>
             <a:off x="445680" y="2670840"/>
-            <a:ext cx="4146120" cy="363600"/>
+            <a:ext cx="4145400" cy="362880"/>
           </a:xfrm>
           <a:prstGeom prst="rect">
             <a:avLst/>
@@ -8405,7 +8137,7 @@
         <p:spPr>
           <a:xfrm>
             <a:off x="445680" y="2955960"/>
-            <a:ext cx="1038240" cy="363600"/>
+            <a:ext cx="1037520" cy="362880"/>
           </a:xfrm>
           <a:prstGeom prst="rect">
             <a:avLst/>
@@ -8454,7 +8186,7 @@
         <p:spPr>
           <a:xfrm>
             <a:off x="445680" y="3219480"/>
-            <a:ext cx="7026480" cy="364320"/>
+            <a:ext cx="7025760" cy="363600"/>
           </a:xfrm>
           <a:prstGeom prst="rect">
             <a:avLst/>
@@ -8503,7 +8235,7 @@
         <p:spPr>
           <a:xfrm>
             <a:off x="-276840" y="2104920"/>
-            <a:ext cx="4235760" cy="412920"/>
+            <a:ext cx="4235040" cy="412200"/>
           </a:xfrm>
           <a:prstGeom prst="rect">
             <a:avLst/>
@@ -8565,7 +8297,7 @@
         <p:spPr>
           <a:xfrm>
             <a:off x="-210600" y="3938400"/>
-            <a:ext cx="4661280" cy="676440"/>
+            <a:ext cx="4660560" cy="675720"/>
           </a:xfrm>
           <a:prstGeom prst="rect">
             <a:avLst/>
@@ -8617,7 +8349,7 @@
         <p:spPr>
           <a:xfrm>
             <a:off x="495360" y="4578120"/>
-            <a:ext cx="8422560" cy="364320"/>
+            <a:ext cx="8421840" cy="363600"/>
           </a:xfrm>
           <a:prstGeom prst="rect">
             <a:avLst/>
@@ -8670,7 +8402,7 @@
         <p:spPr>
           <a:xfrm>
             <a:off x="8963280" y="4578120"/>
-            <a:ext cx="1113840" cy="951120"/>
+            <a:ext cx="1113120" cy="950400"/>
           </a:xfrm>
           <a:prstGeom prst="rect">
             <a:avLst/>
@@ -8748,7 +8480,7 @@
         <p:spPr>
           <a:xfrm>
             <a:off x="5162040" y="145080"/>
-            <a:ext cx="4998960" cy="455400"/>
+            <a:ext cx="4998240" cy="454680"/>
           </a:xfrm>
           <a:prstGeom prst="rect">
             <a:avLst/>
@@ -8783,17 +8515,7 @@
                 <a:latin typeface="Arial"/>
                 <a:ea typeface="Noto Sans CJK SC"/>
               </a:rPr>
-              <a:t>Jobs </a:t>
-            </a:r>
-            <a:r>
-              <a:rPr b="0" lang="en-US" sz="3200" spc="-1" strike="noStrike">
-                <a:solidFill>
-                  <a:srgbClr val="ffffff"/>
-                </a:solidFill>
-                <a:latin typeface="Arial"/>
-                <a:ea typeface="Noto Sans CJK SC"/>
-              </a:rPr>
-              <a:t>Implementation</a:t>
+              <a:t>Jobs Implementation</a:t>
             </a:r>
             <a:endParaRPr b="0" lang="en-US" sz="3200" spc="-1" strike="noStrike">
               <a:latin typeface="Arial"/>
@@ -8809,13 +8531,13 @@
         </p:nvPicPr>
         <p:blipFill>
           <a:blip r:embed="rId2"/>
-          <a:srcRect l="0" t="0" r="0" b="56140"/>
+          <a:srcRect l="0" t="0" r="0" b="56112"/>
           <a:stretch/>
         </p:blipFill>
         <p:spPr>
           <a:xfrm>
             <a:off x="298080" y="274320"/>
-            <a:ext cx="3999600" cy="570960"/>
+            <a:ext cx="3998880" cy="570240"/>
           </a:xfrm>
           <a:prstGeom prst="rect">
             <a:avLst/>
@@ -8838,7 +8560,7 @@
         <p:spPr>
           <a:xfrm>
             <a:off x="274320" y="1005840"/>
-            <a:ext cx="3184920" cy="1439280"/>
+            <a:ext cx="3184200" cy="1438560"/>
           </a:xfrm>
           <a:prstGeom prst="rect">
             <a:avLst/>
@@ -8861,7 +8583,7 @@
         <p:spPr>
           <a:xfrm>
             <a:off x="3749040" y="1097280"/>
-            <a:ext cx="2437920" cy="1109160"/>
+            <a:ext cx="2437200" cy="1108440"/>
           </a:xfrm>
           <a:prstGeom prst="rect">
             <a:avLst/>
@@ -8884,7 +8606,7 @@
         <p:spPr>
           <a:xfrm>
             <a:off x="271080" y="2560320"/>
-            <a:ext cx="4209480" cy="1191960"/>
+            <a:ext cx="4208760" cy="1191240"/>
           </a:xfrm>
           <a:prstGeom prst="rect">
             <a:avLst/>
@@ -8907,7 +8629,7 @@
         <p:spPr>
           <a:xfrm>
             <a:off x="239760" y="3931920"/>
-            <a:ext cx="2503440" cy="683280"/>
+            <a:ext cx="2502720" cy="682560"/>
           </a:xfrm>
           <a:prstGeom prst="rect">
             <a:avLst/>
@@ -8930,7 +8652,7 @@
         <p:spPr>
           <a:xfrm>
             <a:off x="1701720" y="3804120"/>
-            <a:ext cx="3053160" cy="1773720"/>
+            <a:ext cx="3052440" cy="1773000"/>
           </a:xfrm>
           <a:prstGeom prst="rect">
             <a:avLst/>
@@ -8953,7 +8675,7 @@
         <p:spPr>
           <a:xfrm>
             <a:off x="5301360" y="2561760"/>
-            <a:ext cx="3476880" cy="1827360"/>
+            <a:ext cx="3476160" cy="1826640"/>
           </a:xfrm>
           <a:prstGeom prst="rect">
             <a:avLst/>
@@ -8976,7 +8698,7 @@
         <p:spPr>
           <a:xfrm>
             <a:off x="6535800" y="4655520"/>
-            <a:ext cx="3431160" cy="922320"/>
+            <a:ext cx="3430440" cy="921600"/>
           </a:xfrm>
           <a:prstGeom prst="rect">
             <a:avLst/>
@@ -9054,7 +8776,7 @@
         <p:spPr>
           <a:xfrm>
             <a:off x="5162040" y="145080"/>
-            <a:ext cx="4998960" cy="455400"/>
+            <a:ext cx="4998240" cy="454680"/>
           </a:xfrm>
           <a:prstGeom prst="rect">
             <a:avLst/>
@@ -9089,17 +8811,7 @@
                 <a:latin typeface="Arial"/>
                 <a:ea typeface="Noto Sans CJK SC"/>
               </a:rPr>
-              <a:t>Jobs </a:t>
-            </a:r>
-            <a:r>
-              <a:rPr b="0" lang="en-US" sz="3200" spc="-1" strike="noStrike">
-                <a:solidFill>
-                  <a:srgbClr val="ffffff"/>
-                </a:solidFill>
-                <a:latin typeface="Arial"/>
-                <a:ea typeface="Noto Sans CJK SC"/>
-              </a:rPr>
-              <a:t>Implementation</a:t>
+              <a:t>Jobs Implementation</a:t>
             </a:r>
             <a:endParaRPr b="0" lang="en-US" sz="3200" spc="-1" strike="noStrike">
               <a:latin typeface="Arial"/>
@@ -9120,7 +8832,7 @@
         <p:spPr>
           <a:xfrm>
             <a:off x="274320" y="148320"/>
-            <a:ext cx="4584600" cy="2594880"/>
+            <a:ext cx="4583880" cy="2594160"/>
           </a:xfrm>
           <a:prstGeom prst="rect">
             <a:avLst/>
@@ -9143,7 +8855,7 @@
         <p:spPr>
           <a:xfrm>
             <a:off x="288000" y="3401280"/>
-            <a:ext cx="5198400" cy="1902240"/>
+            <a:ext cx="5197680" cy="1901520"/>
           </a:xfrm>
           <a:prstGeom prst="rect">
             <a:avLst/>
@@ -9166,7 +8878,7 @@
         <p:spPr>
           <a:xfrm>
             <a:off x="3749040" y="2399400"/>
-            <a:ext cx="4573440" cy="1349640"/>
+            <a:ext cx="4572720" cy="1348920"/>
           </a:xfrm>
           <a:prstGeom prst="rect">
             <a:avLst/>
@@ -9244,7 +8956,7 @@
         <p:spPr>
           <a:xfrm>
             <a:off x="5162040" y="145080"/>
-            <a:ext cx="4998960" cy="455400"/>
+            <a:ext cx="4998240" cy="454680"/>
           </a:xfrm>
           <a:prstGeom prst="rect">
             <a:avLst/>
@@ -9300,7 +9012,7 @@
         <p:spPr>
           <a:xfrm>
             <a:off x="3294360" y="640080"/>
-            <a:ext cx="2557800" cy="1498680"/>
+            <a:ext cx="2557080" cy="1497960"/>
           </a:xfrm>
           <a:prstGeom prst="rect">
             <a:avLst/>
@@ -9323,7 +9035,7 @@
         <p:spPr>
           <a:xfrm>
             <a:off x="6178320" y="1354320"/>
-            <a:ext cx="3788640" cy="840240"/>
+            <a:ext cx="3787920" cy="839520"/>
           </a:xfrm>
           <a:prstGeom prst="rect">
             <a:avLst/>
@@ -9346,7 +9058,7 @@
         <p:spPr>
           <a:xfrm>
             <a:off x="2560320" y="2377440"/>
-            <a:ext cx="3558240" cy="1326600"/>
+            <a:ext cx="3557520" cy="1325880"/>
           </a:xfrm>
           <a:prstGeom prst="rect">
             <a:avLst/>
@@ -9369,7 +9081,7 @@
         <p:spPr>
           <a:xfrm>
             <a:off x="2560320" y="3704040"/>
-            <a:ext cx="3535560" cy="1268640"/>
+            <a:ext cx="3534840" cy="1267920"/>
           </a:xfrm>
           <a:prstGeom prst="rect">
             <a:avLst/>
@@ -9392,7 +9104,7 @@
         <p:spPr>
           <a:xfrm>
             <a:off x="2560320" y="4972680"/>
-            <a:ext cx="3566160" cy="383760"/>
+            <a:ext cx="3565440" cy="383040"/>
           </a:xfrm>
           <a:prstGeom prst="rect">
             <a:avLst/>
